--- a/public/LibEpidemic-brief.pptx
+++ b/public/LibEpidemic-brief.pptx
@@ -5,7 +5,7 @@
     <p:sldMasterId id="2147483660" r:id="rId1"/>
   </p:sldMasterIdLst>
   <p:notesMasterIdLst>
-    <p:notesMasterId r:id="rId41"/>
+    <p:notesMasterId r:id="rId42"/>
   </p:notesMasterIdLst>
   <p:sldIdLst>
     <p:sldId id="2142" r:id="rId2"/>
@@ -34,19 +34,20 @@
     <p:sldId id="2179" r:id="rId25"/>
     <p:sldId id="2159" r:id="rId26"/>
     <p:sldId id="2180" r:id="rId27"/>
-    <p:sldId id="2145" r:id="rId28"/>
-    <p:sldId id="2160" r:id="rId29"/>
-    <p:sldId id="2181" r:id="rId30"/>
-    <p:sldId id="2182" r:id="rId31"/>
-    <p:sldId id="2183" r:id="rId32"/>
-    <p:sldId id="2161" r:id="rId33"/>
-    <p:sldId id="2168" r:id="rId34"/>
-    <p:sldId id="2185" r:id="rId35"/>
-    <p:sldId id="2186" r:id="rId36"/>
-    <p:sldId id="2187" r:id="rId37"/>
-    <p:sldId id="2188" r:id="rId38"/>
-    <p:sldId id="2184" r:id="rId39"/>
-    <p:sldId id="2038" r:id="rId40"/>
+    <p:sldId id="2189" r:id="rId28"/>
+    <p:sldId id="2145" r:id="rId29"/>
+    <p:sldId id="2160" r:id="rId30"/>
+    <p:sldId id="2181" r:id="rId31"/>
+    <p:sldId id="2182" r:id="rId32"/>
+    <p:sldId id="2183" r:id="rId33"/>
+    <p:sldId id="2161" r:id="rId34"/>
+    <p:sldId id="2168" r:id="rId35"/>
+    <p:sldId id="2185" r:id="rId36"/>
+    <p:sldId id="2186" r:id="rId37"/>
+    <p:sldId id="2187" r:id="rId38"/>
+    <p:sldId id="2188" r:id="rId39"/>
+    <p:sldId id="2184" r:id="rId40"/>
+    <p:sldId id="2038" r:id="rId41"/>
   </p:sldIdLst>
   <p:sldSz cx="12192000" cy="6858000"/>
   <p:notesSz cx="6858000" cy="9144000"/>
@@ -235,7 +236,7 @@
           <a:p>
             <a:fld id="{BE2803E4-2587-4C0D-A3FE-627880BC8BAE}" type="datetimeFigureOut">
               <a:rPr lang="zh-CN" altLang="en-US" smtClean="0"/>
-              <a:t>2022/4/27</a:t>
+              <a:t>2022/6/14</a:t>
             </a:fld>
             <a:endParaRPr lang="zh-CN" altLang="en-US"/>
           </a:p>
@@ -2172,7 +2173,7 @@
     </p:spTree>
     <p:extLst>
       <p:ext uri="{BB962C8B-B14F-4D97-AF65-F5344CB8AC3E}">
-        <p14:creationId xmlns:p14="http://schemas.microsoft.com/office/powerpoint/2010/main" val="412603034"/>
+        <p14:creationId xmlns:p14="http://schemas.microsoft.com/office/powerpoint/2010/main" val="1949440474"/>
       </p:ext>
     </p:extLst>
   </p:cSld>
@@ -2256,7 +2257,7 @@
     </p:spTree>
     <p:extLst>
       <p:ext uri="{BB962C8B-B14F-4D97-AF65-F5344CB8AC3E}">
-        <p14:creationId xmlns:p14="http://schemas.microsoft.com/office/powerpoint/2010/main" val="2030462321"/>
+        <p14:creationId xmlns:p14="http://schemas.microsoft.com/office/powerpoint/2010/main" val="412603034"/>
       </p:ext>
     </p:extLst>
   </p:cSld>
@@ -2340,7 +2341,7 @@
     </p:spTree>
     <p:extLst>
       <p:ext uri="{BB962C8B-B14F-4D97-AF65-F5344CB8AC3E}">
-        <p14:creationId xmlns:p14="http://schemas.microsoft.com/office/powerpoint/2010/main" val="2349998781"/>
+        <p14:creationId xmlns:p14="http://schemas.microsoft.com/office/powerpoint/2010/main" val="2030462321"/>
       </p:ext>
     </p:extLst>
   </p:cSld>
@@ -2508,7 +2509,7 @@
     </p:spTree>
     <p:extLst>
       <p:ext uri="{BB962C8B-B14F-4D97-AF65-F5344CB8AC3E}">
-        <p14:creationId xmlns:p14="http://schemas.microsoft.com/office/powerpoint/2010/main" val="142838690"/>
+        <p14:creationId xmlns:p14="http://schemas.microsoft.com/office/powerpoint/2010/main" val="2349998781"/>
       </p:ext>
     </p:extLst>
   </p:cSld>
@@ -2592,7 +2593,7 @@
     </p:spTree>
     <p:extLst>
       <p:ext uri="{BB962C8B-B14F-4D97-AF65-F5344CB8AC3E}">
-        <p14:creationId xmlns:p14="http://schemas.microsoft.com/office/powerpoint/2010/main" val="2207637498"/>
+        <p14:creationId xmlns:p14="http://schemas.microsoft.com/office/powerpoint/2010/main" val="142838690"/>
       </p:ext>
     </p:extLst>
   </p:cSld>
@@ -2676,7 +2677,7 @@
     </p:spTree>
     <p:extLst>
       <p:ext uri="{BB962C8B-B14F-4D97-AF65-F5344CB8AC3E}">
-        <p14:creationId xmlns:p14="http://schemas.microsoft.com/office/powerpoint/2010/main" val="1844926531"/>
+        <p14:creationId xmlns:p14="http://schemas.microsoft.com/office/powerpoint/2010/main" val="2207637498"/>
       </p:ext>
     </p:extLst>
   </p:cSld>
@@ -2760,7 +2761,7 @@
     </p:spTree>
     <p:extLst>
       <p:ext uri="{BB962C8B-B14F-4D97-AF65-F5344CB8AC3E}">
-        <p14:creationId xmlns:p14="http://schemas.microsoft.com/office/powerpoint/2010/main" val="1397831214"/>
+        <p14:creationId xmlns:p14="http://schemas.microsoft.com/office/powerpoint/2010/main" val="1844926531"/>
       </p:ext>
     </p:extLst>
   </p:cSld>
@@ -2844,7 +2845,7 @@
     </p:spTree>
     <p:extLst>
       <p:ext uri="{BB962C8B-B14F-4D97-AF65-F5344CB8AC3E}">
-        <p14:creationId xmlns:p14="http://schemas.microsoft.com/office/powerpoint/2010/main" val="1282168946"/>
+        <p14:creationId xmlns:p14="http://schemas.microsoft.com/office/powerpoint/2010/main" val="1397831214"/>
       </p:ext>
     </p:extLst>
   </p:cSld>
@@ -2928,7 +2929,7 @@
     </p:spTree>
     <p:extLst>
       <p:ext uri="{BB962C8B-B14F-4D97-AF65-F5344CB8AC3E}">
-        <p14:creationId xmlns:p14="http://schemas.microsoft.com/office/powerpoint/2010/main" val="1190840547"/>
+        <p14:creationId xmlns:p14="http://schemas.microsoft.com/office/powerpoint/2010/main" val="1282168946"/>
       </p:ext>
     </p:extLst>
   </p:cSld>
@@ -3012,7 +3013,7 @@
     </p:spTree>
     <p:extLst>
       <p:ext uri="{BB962C8B-B14F-4D97-AF65-F5344CB8AC3E}">
-        <p14:creationId xmlns:p14="http://schemas.microsoft.com/office/powerpoint/2010/main" val="2008210827"/>
+        <p14:creationId xmlns:p14="http://schemas.microsoft.com/office/powerpoint/2010/main" val="1190840547"/>
       </p:ext>
     </p:extLst>
   </p:cSld>
@@ -3096,7 +3097,7 @@
     </p:spTree>
     <p:extLst>
       <p:ext uri="{BB962C8B-B14F-4D97-AF65-F5344CB8AC3E}">
-        <p14:creationId xmlns:p14="http://schemas.microsoft.com/office/powerpoint/2010/main" val="1936082923"/>
+        <p14:creationId xmlns:p14="http://schemas.microsoft.com/office/powerpoint/2010/main" val="2008210827"/>
       </p:ext>
     </p:extLst>
   </p:cSld>
@@ -3172,6 +3173,90 @@
             <a:fld id="{D3A5AE00-BCB8-A443-BAA9-A3620A56ABC9}" type="slidenum">
               <a:rPr kumimoji="1" lang="zh-CN" altLang="en-US" smtClean="0"/>
               <a:t>38</a:t>
+            </a:fld>
+            <a:endParaRPr kumimoji="1" lang="zh-CN" altLang="en-US"/>
+          </a:p>
+        </p:txBody>
+      </p:sp>
+    </p:spTree>
+    <p:extLst>
+      <p:ext uri="{BB962C8B-B14F-4D97-AF65-F5344CB8AC3E}">
+        <p14:creationId xmlns:p14="http://schemas.microsoft.com/office/powerpoint/2010/main" val="1936082923"/>
+      </p:ext>
+    </p:extLst>
+  </p:cSld>
+  <p:clrMapOvr>
+    <a:masterClrMapping/>
+  </p:clrMapOvr>
+</p:notes>
+</file>
+
+<file path=ppt/notesSlides/notesSlide39.xml><?xml version="1.0" encoding="utf-8"?>
+<p:notes xmlns:a="http://schemas.openxmlformats.org/drawingml/2006/main" xmlns:r="http://schemas.openxmlformats.org/officeDocument/2006/relationships" xmlns:p="http://schemas.openxmlformats.org/presentationml/2006/main">
+  <p:cSld>
+    <p:spTree>
+      <p:nvGrpSpPr>
+        <p:cNvPr id="1" name=""/>
+        <p:cNvGrpSpPr/>
+        <p:nvPr/>
+      </p:nvGrpSpPr>
+      <p:grpSpPr>
+        <a:xfrm>
+          <a:off x="0" y="0"/>
+          <a:ext cx="0" cy="0"/>
+          <a:chOff x="0" y="0"/>
+          <a:chExt cx="0" cy="0"/>
+        </a:xfrm>
+      </p:grpSpPr>
+      <p:sp>
+        <p:nvSpPr>
+          <p:cNvPr id="2" name="幻灯片图像占位符 1"/>
+          <p:cNvSpPr>
+            <a:spLocks noGrp="1" noRot="1" noChangeAspect="1"/>
+          </p:cNvSpPr>
+          <p:nvPr>
+            <p:ph type="sldImg"/>
+          </p:nvPr>
+        </p:nvSpPr>
+        <p:spPr/>
+      </p:sp>
+      <p:sp>
+        <p:nvSpPr>
+          <p:cNvPr id="3" name="备注占位符 2"/>
+          <p:cNvSpPr>
+            <a:spLocks noGrp="1"/>
+          </p:cNvSpPr>
+          <p:nvPr>
+            <p:ph type="body" idx="1"/>
+          </p:nvPr>
+        </p:nvSpPr>
+        <p:spPr/>
+        <p:txBody>
+          <a:bodyPr/>
+          <a:lstStyle/>
+          <a:p>
+            <a:endParaRPr lang="zh-CN" altLang="en-US" dirty="0"/>
+          </a:p>
+        </p:txBody>
+      </p:sp>
+      <p:sp>
+        <p:nvSpPr>
+          <p:cNvPr id="4" name="灯片编号占位符 3"/>
+          <p:cNvSpPr>
+            <a:spLocks noGrp="1"/>
+          </p:cNvSpPr>
+          <p:nvPr>
+            <p:ph type="sldNum" sz="quarter" idx="5"/>
+          </p:nvPr>
+        </p:nvSpPr>
+        <p:spPr/>
+        <p:txBody>
+          <a:bodyPr/>
+          <a:lstStyle/>
+          <a:p>
+            <a:fld id="{D3A5AE00-BCB8-A443-BAA9-A3620A56ABC9}" type="slidenum">
+              <a:rPr kumimoji="1" lang="zh-CN" altLang="en-US" smtClean="0"/>
+              <a:t>39</a:t>
             </a:fld>
             <a:endParaRPr kumimoji="1" lang="zh-CN" altLang="en-US"/>
           </a:p>
@@ -3810,7 +3895,7 @@
           <a:p>
             <a:fld id="{F2EA51C8-696D-467D-8554-E7A444EAE1D1}" type="datetimeFigureOut">
               <a:rPr lang="zh-CN" altLang="en-US" smtClean="0"/>
-              <a:t>2022/4/27</a:t>
+              <a:t>2022/6/14</a:t>
             </a:fld>
             <a:endParaRPr lang="zh-CN" altLang="en-US"/>
           </a:p>
@@ -4040,7 +4125,7 @@
           <a:p>
             <a:fld id="{F2EA51C8-696D-467D-8554-E7A444EAE1D1}" type="datetimeFigureOut">
               <a:rPr lang="zh-CN" altLang="en-US" smtClean="0"/>
-              <a:t>2022/4/27</a:t>
+              <a:t>2022/6/14</a:t>
             </a:fld>
             <a:endParaRPr lang="zh-CN" altLang="en-US"/>
           </a:p>
@@ -4135,7 +4220,7 @@
           <a:p>
             <a:fld id="{F2EA51C8-696D-467D-8554-E7A444EAE1D1}" type="datetimeFigureOut">
               <a:rPr lang="zh-CN" altLang="en-US" smtClean="0"/>
-              <a:t>2022/4/27</a:t>
+              <a:t>2022/6/14</a:t>
             </a:fld>
             <a:endParaRPr lang="zh-CN" altLang="en-US"/>
           </a:p>
@@ -4410,7 +4495,7 @@
           <a:p>
             <a:fld id="{F2EA51C8-696D-467D-8554-E7A444EAE1D1}" type="datetimeFigureOut">
               <a:rPr lang="zh-CN" altLang="en-US" smtClean="0"/>
-              <a:t>2022/4/27</a:t>
+              <a:t>2022/6/14</a:t>
             </a:fld>
             <a:endParaRPr lang="zh-CN" altLang="en-US"/>
           </a:p>
@@ -4665,7 +4750,7 @@
           <a:p>
             <a:fld id="{F2EA51C8-696D-467D-8554-E7A444EAE1D1}" type="datetimeFigureOut">
               <a:rPr lang="zh-CN" altLang="en-US" smtClean="0"/>
-              <a:t>2022/4/27</a:t>
+              <a:t>2022/6/14</a:t>
             </a:fld>
             <a:endParaRPr lang="zh-CN" altLang="en-US"/>
           </a:p>
@@ -4833,7 +4918,7 @@
           <a:p>
             <a:fld id="{F2EA51C8-696D-467D-8554-E7A444EAE1D1}" type="datetimeFigureOut">
               <a:rPr lang="zh-CN" altLang="en-US" smtClean="0"/>
-              <a:t>2022/4/27</a:t>
+              <a:t>2022/6/14</a:t>
             </a:fld>
             <a:endParaRPr lang="zh-CN" altLang="en-US"/>
           </a:p>
@@ -5011,7 +5096,7 @@
           <a:p>
             <a:fld id="{F2EA51C8-696D-467D-8554-E7A444EAE1D1}" type="datetimeFigureOut">
               <a:rPr lang="zh-CN" altLang="en-US" smtClean="0"/>
-              <a:t>2022/4/27</a:t>
+              <a:t>2022/6/14</a:t>
             </a:fld>
             <a:endParaRPr lang="zh-CN" altLang="en-US"/>
           </a:p>
@@ -6356,7 +6441,7 @@
           <a:p>
             <a:fld id="{F2EA51C8-696D-467D-8554-E7A444EAE1D1}" type="datetimeFigureOut">
               <a:rPr lang="zh-CN" altLang="en-US" smtClean="0"/>
-              <a:t>2022/4/27</a:t>
+              <a:t>2022/6/14</a:t>
             </a:fld>
             <a:endParaRPr lang="zh-CN" altLang="en-US"/>
           </a:p>
@@ -6570,7 +6655,7 @@
           <a:p>
             <a:fld id="{F2EA51C8-696D-467D-8554-E7A444EAE1D1}" type="datetimeFigureOut">
               <a:rPr lang="zh-CN" altLang="en-US" smtClean="0"/>
-              <a:t>2022/4/27</a:t>
+              <a:t>2022/6/14</a:t>
             </a:fld>
             <a:endParaRPr lang="zh-CN" altLang="en-US"/>
           </a:p>
@@ -6784,7 +6869,7 @@
           <a:p>
             <a:fld id="{F2EA51C8-696D-467D-8554-E7A444EAE1D1}" type="datetimeFigureOut">
               <a:rPr lang="zh-CN" altLang="en-US" smtClean="0"/>
-              <a:t>2022/4/27</a:t>
+              <a:t>2022/6/14</a:t>
             </a:fld>
             <a:endParaRPr lang="zh-CN" altLang="en-US"/>
           </a:p>
@@ -7071,7 +7156,7 @@
           <a:p>
             <a:fld id="{F2EA51C8-696D-467D-8554-E7A444EAE1D1}" type="datetimeFigureOut">
               <a:rPr lang="zh-CN" altLang="en-US" smtClean="0"/>
-              <a:t>2022/4/27</a:t>
+              <a:t>2022/6/14</a:t>
             </a:fld>
             <a:endParaRPr lang="zh-CN" altLang="en-US"/>
           </a:p>
@@ -7322,7 +7407,7 @@
           <a:p>
             <a:fld id="{F2EA51C8-696D-467D-8554-E7A444EAE1D1}" type="datetimeFigureOut">
               <a:rPr lang="zh-CN" altLang="en-US" smtClean="0"/>
-              <a:t>2022/4/27</a:t>
+              <a:t>2022/6/14</a:t>
             </a:fld>
             <a:endParaRPr lang="zh-CN" altLang="en-US"/>
           </a:p>
@@ -7824,7 +7909,7 @@
           <a:p>
             <a:fld id="{F2EA51C8-696D-467D-8554-E7A444EAE1D1}" type="datetimeFigureOut">
               <a:rPr lang="zh-CN" altLang="en-US" smtClean="0"/>
-              <a:t>2022/4/27</a:t>
+              <a:t>2022/6/14</a:t>
             </a:fld>
             <a:endParaRPr lang="zh-CN" altLang="en-US"/>
           </a:p>
@@ -8054,7 +8139,7 @@
           <a:p>
             <a:fld id="{F2EA51C8-696D-467D-8554-E7A444EAE1D1}" type="datetimeFigureOut">
               <a:rPr lang="zh-CN" altLang="en-US" smtClean="0"/>
-              <a:t>2022/4/27</a:t>
+              <a:t>2022/6/14</a:t>
             </a:fld>
             <a:endParaRPr lang="zh-CN" altLang="en-US"/>
           </a:p>
@@ -8418,7 +8503,7 @@
           <a:p>
             <a:fld id="{F2EA51C8-696D-467D-8554-E7A444EAE1D1}" type="datetimeFigureOut">
               <a:rPr lang="zh-CN" altLang="en-US" smtClean="0"/>
-              <a:t>2022/4/27</a:t>
+              <a:t>2022/6/14</a:t>
             </a:fld>
             <a:endParaRPr lang="zh-CN" altLang="en-US"/>
           </a:p>
@@ -8629,7 +8714,7 @@
           <a:p>
             <a:fld id="{F2EA51C8-696D-467D-8554-E7A444EAE1D1}" type="datetimeFigureOut">
               <a:rPr lang="zh-CN" altLang="en-US" smtClean="0"/>
-              <a:t>2022/4/27</a:t>
+              <a:t>2022/6/14</a:t>
             </a:fld>
             <a:endParaRPr lang="zh-CN" altLang="en-US"/>
           </a:p>
@@ -28404,6 +28489,3045 @@
       </p:grpSpPr>
       <p:sp>
         <p:nvSpPr>
+          <p:cNvPr id="113" name="圆角矩形 112"/>
+          <p:cNvSpPr/>
+          <p:nvPr/>
+        </p:nvSpPr>
+        <p:spPr>
+          <a:xfrm>
+            <a:off x="8139367" y="1691348"/>
+            <a:ext cx="3607452" cy="810492"/>
+          </a:xfrm>
+          <a:prstGeom prst="roundRect">
+            <a:avLst/>
+          </a:prstGeom>
+          <a:noFill/>
+          <a:ln w="19050">
+            <a:solidFill>
+              <a:schemeClr val="accent1">
+                <a:lumMod val="75000"/>
+              </a:schemeClr>
+            </a:solidFill>
+            <a:prstDash val="sysDot"/>
+          </a:ln>
+        </p:spPr>
+        <p:style>
+          <a:lnRef idx="2">
+            <a:schemeClr val="accent1">
+              <a:shade val="50000"/>
+            </a:schemeClr>
+          </a:lnRef>
+          <a:fillRef idx="1">
+            <a:schemeClr val="accent1"/>
+          </a:fillRef>
+          <a:effectRef idx="0">
+            <a:schemeClr val="accent1"/>
+          </a:effectRef>
+          <a:fontRef idx="minor">
+            <a:schemeClr val="lt1"/>
+          </a:fontRef>
+        </p:style>
+        <p:txBody>
+          <a:bodyPr rtlCol="0" anchor="ctr"/>
+          <a:lstStyle/>
+          <a:p>
+            <a:pPr algn="ctr"/>
+            <a:endParaRPr lang="zh-CN" altLang="en-US"/>
+          </a:p>
+        </p:txBody>
+      </p:sp>
+      <p:sp>
+        <p:nvSpPr>
+          <p:cNvPr id="115" name="圆角矩形 114"/>
+          <p:cNvSpPr/>
+          <p:nvPr/>
+        </p:nvSpPr>
+        <p:spPr>
+          <a:xfrm>
+            <a:off x="8289908" y="5520002"/>
+            <a:ext cx="3314648" cy="810492"/>
+          </a:xfrm>
+          <a:prstGeom prst="roundRect">
+            <a:avLst/>
+          </a:prstGeom>
+          <a:noFill/>
+          <a:ln w="19050">
+            <a:solidFill>
+              <a:schemeClr val="accent1">
+                <a:lumMod val="75000"/>
+              </a:schemeClr>
+            </a:solidFill>
+            <a:prstDash val="sysDot"/>
+          </a:ln>
+        </p:spPr>
+        <p:style>
+          <a:lnRef idx="2">
+            <a:schemeClr val="accent1">
+              <a:shade val="50000"/>
+            </a:schemeClr>
+          </a:lnRef>
+          <a:fillRef idx="1">
+            <a:schemeClr val="accent1"/>
+          </a:fillRef>
+          <a:effectRef idx="0">
+            <a:schemeClr val="accent1"/>
+          </a:effectRef>
+          <a:fontRef idx="minor">
+            <a:schemeClr val="lt1"/>
+          </a:fontRef>
+        </p:style>
+        <p:txBody>
+          <a:bodyPr rtlCol="0" anchor="ctr"/>
+          <a:lstStyle/>
+          <a:p>
+            <a:pPr algn="ctr"/>
+            <a:endParaRPr lang="zh-CN" altLang="en-US"/>
+          </a:p>
+        </p:txBody>
+      </p:sp>
+      <p:sp>
+        <p:nvSpPr>
+          <p:cNvPr id="114" name="圆角矩形 113"/>
+          <p:cNvSpPr/>
+          <p:nvPr/>
+        </p:nvSpPr>
+        <p:spPr>
+          <a:xfrm>
+            <a:off x="8115998" y="2685701"/>
+            <a:ext cx="1974411" cy="2810755"/>
+          </a:xfrm>
+          <a:prstGeom prst="roundRect">
+            <a:avLst/>
+          </a:prstGeom>
+          <a:noFill/>
+          <a:ln w="19050">
+            <a:solidFill>
+              <a:schemeClr val="accent1">
+                <a:lumMod val="75000"/>
+              </a:schemeClr>
+            </a:solidFill>
+            <a:prstDash val="sysDot"/>
+          </a:ln>
+        </p:spPr>
+        <p:style>
+          <a:lnRef idx="2">
+            <a:schemeClr val="accent1">
+              <a:shade val="50000"/>
+            </a:schemeClr>
+          </a:lnRef>
+          <a:fillRef idx="1">
+            <a:schemeClr val="accent1"/>
+          </a:fillRef>
+          <a:effectRef idx="0">
+            <a:schemeClr val="accent1"/>
+          </a:effectRef>
+          <a:fontRef idx="minor">
+            <a:schemeClr val="lt1"/>
+          </a:fontRef>
+        </p:style>
+        <p:txBody>
+          <a:bodyPr rtlCol="0" anchor="ctr"/>
+          <a:lstStyle/>
+          <a:p>
+            <a:pPr algn="ctr"/>
+            <a:endParaRPr lang="zh-CN" altLang="en-US"/>
+          </a:p>
+        </p:txBody>
+      </p:sp>
+      <p:grpSp>
+        <p:nvGrpSpPr>
+          <p:cNvPr id="96" name="组合 95"/>
+          <p:cNvGrpSpPr/>
+          <p:nvPr/>
+        </p:nvGrpSpPr>
+        <p:grpSpPr>
+          <a:xfrm>
+            <a:off x="10115038" y="2661094"/>
+            <a:ext cx="1746755" cy="2520647"/>
+            <a:chOff x="7618093" y="2067491"/>
+            <a:chExt cx="3382245" cy="3771455"/>
+          </a:xfrm>
+        </p:grpSpPr>
+        <p:pic>
+          <p:nvPicPr>
+            <p:cNvPr id="97" name="图片 96"/>
+            <p:cNvPicPr>
+              <a:picLocks noChangeAspect="1"/>
+            </p:cNvPicPr>
+            <p:nvPr/>
+          </p:nvPicPr>
+          <p:blipFill rotWithShape="1">
+            <a:blip r:embed="rId3"/>
+            <a:srcRect t="16314"/>
+            <a:stretch/>
+          </p:blipFill>
+          <p:spPr>
+            <a:xfrm>
+              <a:off x="7618093" y="2067491"/>
+              <a:ext cx="3292158" cy="1459337"/>
+            </a:xfrm>
+            <a:prstGeom prst="rect">
+              <a:avLst/>
+            </a:prstGeom>
+          </p:spPr>
+        </p:pic>
+        <p:pic>
+          <p:nvPicPr>
+            <p:cNvPr id="98" name="图片 97"/>
+            <p:cNvPicPr>
+              <a:picLocks noChangeAspect="1"/>
+            </p:cNvPicPr>
+            <p:nvPr/>
+          </p:nvPicPr>
+          <p:blipFill rotWithShape="1">
+            <a:blip r:embed="rId4"/>
+            <a:srcRect b="19361"/>
+            <a:stretch/>
+          </p:blipFill>
+          <p:spPr>
+            <a:xfrm>
+              <a:off x="7618093" y="3508360"/>
+              <a:ext cx="1316904" cy="2262520"/>
+            </a:xfrm>
+            <a:prstGeom prst="rect">
+              <a:avLst/>
+            </a:prstGeom>
+          </p:spPr>
+        </p:pic>
+        <p:pic>
+          <p:nvPicPr>
+            <p:cNvPr id="99" name="图片 98"/>
+            <p:cNvPicPr>
+              <a:picLocks noChangeAspect="1"/>
+            </p:cNvPicPr>
+            <p:nvPr/>
+          </p:nvPicPr>
+          <p:blipFill>
+            <a:blip r:embed="rId5"/>
+            <a:stretch>
+              <a:fillRect/>
+            </a:stretch>
+          </p:blipFill>
+          <p:spPr>
+            <a:xfrm>
+              <a:off x="8934997" y="4096448"/>
+              <a:ext cx="2065341" cy="1742498"/>
+            </a:xfrm>
+            <a:prstGeom prst="rect">
+              <a:avLst/>
+            </a:prstGeom>
+          </p:spPr>
+        </p:pic>
+      </p:grpSp>
+      <p:sp>
+        <p:nvSpPr>
+          <p:cNvPr id="95" name="圆角矩形 94"/>
+          <p:cNvSpPr/>
+          <p:nvPr/>
+        </p:nvSpPr>
+        <p:spPr>
+          <a:xfrm>
+            <a:off x="7993360" y="1260275"/>
+            <a:ext cx="3903999" cy="5144331"/>
+          </a:xfrm>
+          <a:prstGeom prst="roundRect">
+            <a:avLst/>
+          </a:prstGeom>
+          <a:noFill/>
+          <a:ln w="28575">
+            <a:solidFill>
+              <a:schemeClr val="accent6">
+                <a:lumMod val="75000"/>
+              </a:schemeClr>
+            </a:solidFill>
+            <a:prstDash val="sysDot"/>
+          </a:ln>
+        </p:spPr>
+        <p:style>
+          <a:lnRef idx="2">
+            <a:schemeClr val="accent1">
+              <a:shade val="50000"/>
+            </a:schemeClr>
+          </a:lnRef>
+          <a:fillRef idx="1">
+            <a:schemeClr val="accent1"/>
+          </a:fillRef>
+          <a:effectRef idx="0">
+            <a:schemeClr val="accent1"/>
+          </a:effectRef>
+          <a:fontRef idx="minor">
+            <a:schemeClr val="lt1"/>
+          </a:fontRef>
+        </p:style>
+        <p:txBody>
+          <a:bodyPr rtlCol="0" anchor="ctr"/>
+          <a:lstStyle/>
+          <a:p>
+            <a:pPr algn="ctr"/>
+            <a:endParaRPr lang="zh-CN" altLang="en-US"/>
+          </a:p>
+        </p:txBody>
+      </p:sp>
+      <p:pic>
+        <p:nvPicPr>
+          <p:cNvPr id="1033" name="图片 1032"/>
+          <p:cNvPicPr>
+            <a:picLocks noChangeAspect="1"/>
+          </p:cNvPicPr>
+          <p:nvPr/>
+        </p:nvPicPr>
+        <p:blipFill>
+          <a:blip r:embed="rId6"/>
+          <a:stretch>
+            <a:fillRect/>
+          </a:stretch>
+        </p:blipFill>
+        <p:spPr>
+          <a:xfrm>
+            <a:off x="429939" y="4648472"/>
+            <a:ext cx="3130178" cy="1494847"/>
+          </a:xfrm>
+          <a:prstGeom prst="rect">
+            <a:avLst/>
+          </a:prstGeom>
+        </p:spPr>
+      </p:pic>
+      <p:sp>
+        <p:nvSpPr>
+          <p:cNvPr id="80" name="圆角矩形 79"/>
+          <p:cNvSpPr/>
+          <p:nvPr/>
+        </p:nvSpPr>
+        <p:spPr>
+          <a:xfrm>
+            <a:off x="250671" y="4456503"/>
+            <a:ext cx="3573663" cy="1855724"/>
+          </a:xfrm>
+          <a:prstGeom prst="roundRect">
+            <a:avLst/>
+          </a:prstGeom>
+          <a:noFill/>
+          <a:ln w="28575">
+            <a:solidFill>
+              <a:srgbClr val="7030A0"/>
+            </a:solidFill>
+            <a:prstDash val="sysDot"/>
+          </a:ln>
+        </p:spPr>
+        <p:style>
+          <a:lnRef idx="2">
+            <a:schemeClr val="accent1">
+              <a:shade val="50000"/>
+            </a:schemeClr>
+          </a:lnRef>
+          <a:fillRef idx="1">
+            <a:schemeClr val="accent1"/>
+          </a:fillRef>
+          <a:effectRef idx="0">
+            <a:schemeClr val="accent1"/>
+          </a:effectRef>
+          <a:fontRef idx="minor">
+            <a:schemeClr val="lt1"/>
+          </a:fontRef>
+        </p:style>
+        <p:txBody>
+          <a:bodyPr rtlCol="0" anchor="ctr"/>
+          <a:lstStyle/>
+          <a:p>
+            <a:pPr algn="ctr"/>
+            <a:endParaRPr lang="zh-CN" altLang="en-US"/>
+          </a:p>
+        </p:txBody>
+      </p:sp>
+      <p:pic>
+        <p:nvPicPr>
+          <p:cNvPr id="1030" name="图片 1029"/>
+          <p:cNvPicPr>
+            <a:picLocks noChangeAspect="1"/>
+          </p:cNvPicPr>
+          <p:nvPr/>
+        </p:nvPicPr>
+        <p:blipFill>
+          <a:blip r:embed="rId7" cstate="hqprint">
+            <a:extLst>
+              <a:ext uri="{28A0092B-C50C-407E-A947-70E740481C1C}">
+                <a14:useLocalDpi xmlns:a14="http://schemas.microsoft.com/office/drawing/2010/main" val="0"/>
+              </a:ext>
+            </a:extLst>
+          </a:blip>
+          <a:stretch>
+            <a:fillRect/>
+          </a:stretch>
+        </p:blipFill>
+        <p:spPr>
+          <a:xfrm>
+            <a:off x="5120308" y="2338106"/>
+            <a:ext cx="2442547" cy="645976"/>
+          </a:xfrm>
+          <a:prstGeom prst="rect">
+            <a:avLst/>
+          </a:prstGeom>
+        </p:spPr>
+      </p:pic>
+      <p:sp>
+        <p:nvSpPr>
+          <p:cNvPr id="76" name="圆角矩形 75"/>
+          <p:cNvSpPr/>
+          <p:nvPr/>
+        </p:nvSpPr>
+        <p:spPr>
+          <a:xfrm>
+            <a:off x="4891351" y="1240115"/>
+            <a:ext cx="2870480" cy="3139440"/>
+          </a:xfrm>
+          <a:prstGeom prst="roundRect">
+            <a:avLst/>
+          </a:prstGeom>
+          <a:noFill/>
+          <a:ln w="28575">
+            <a:solidFill>
+              <a:schemeClr val="accent1">
+                <a:lumMod val="75000"/>
+              </a:schemeClr>
+            </a:solidFill>
+            <a:prstDash val="sysDot"/>
+          </a:ln>
+        </p:spPr>
+        <p:style>
+          <a:lnRef idx="2">
+            <a:schemeClr val="accent1">
+              <a:shade val="50000"/>
+            </a:schemeClr>
+          </a:lnRef>
+          <a:fillRef idx="1">
+            <a:schemeClr val="accent1"/>
+          </a:fillRef>
+          <a:effectRef idx="0">
+            <a:schemeClr val="accent1"/>
+          </a:effectRef>
+          <a:fontRef idx="minor">
+            <a:schemeClr val="lt1"/>
+          </a:fontRef>
+        </p:style>
+        <p:txBody>
+          <a:bodyPr rtlCol="0" anchor="ctr"/>
+          <a:lstStyle/>
+          <a:p>
+            <a:pPr algn="ctr"/>
+            <a:endParaRPr lang="zh-CN" altLang="en-US"/>
+          </a:p>
+        </p:txBody>
+      </p:sp>
+      <p:sp>
+        <p:nvSpPr>
+          <p:cNvPr id="66" name="圆角矩形 65"/>
+          <p:cNvSpPr/>
+          <p:nvPr/>
+        </p:nvSpPr>
+        <p:spPr>
+          <a:xfrm>
+            <a:off x="2567837" y="1229360"/>
+            <a:ext cx="2191012" cy="3139440"/>
+          </a:xfrm>
+          <a:prstGeom prst="roundRect">
+            <a:avLst/>
+          </a:prstGeom>
+          <a:noFill/>
+          <a:ln w="28575">
+            <a:solidFill>
+              <a:schemeClr val="accent1">
+                <a:lumMod val="75000"/>
+              </a:schemeClr>
+            </a:solidFill>
+            <a:prstDash val="sysDot"/>
+          </a:ln>
+        </p:spPr>
+        <p:style>
+          <a:lnRef idx="2">
+            <a:schemeClr val="accent1">
+              <a:shade val="50000"/>
+            </a:schemeClr>
+          </a:lnRef>
+          <a:fillRef idx="1">
+            <a:schemeClr val="accent1"/>
+          </a:fillRef>
+          <a:effectRef idx="0">
+            <a:schemeClr val="accent1"/>
+          </a:effectRef>
+          <a:fontRef idx="minor">
+            <a:schemeClr val="lt1"/>
+          </a:fontRef>
+        </p:style>
+        <p:txBody>
+          <a:bodyPr rtlCol="0" anchor="ctr"/>
+          <a:lstStyle/>
+          <a:p>
+            <a:pPr algn="ctr"/>
+            <a:endParaRPr lang="zh-CN" altLang="en-US"/>
+          </a:p>
+        </p:txBody>
+      </p:sp>
+      <p:sp>
+        <p:nvSpPr>
+          <p:cNvPr id="1024" name="圆角矩形 1023"/>
+          <p:cNvSpPr/>
+          <p:nvPr/>
+        </p:nvSpPr>
+        <p:spPr>
+          <a:xfrm>
+            <a:off x="243841" y="1229360"/>
+            <a:ext cx="2191012" cy="3139440"/>
+          </a:xfrm>
+          <a:prstGeom prst="roundRect">
+            <a:avLst/>
+          </a:prstGeom>
+          <a:noFill/>
+          <a:ln w="28575">
+            <a:solidFill>
+              <a:schemeClr val="accent1">
+                <a:lumMod val="75000"/>
+              </a:schemeClr>
+            </a:solidFill>
+            <a:prstDash val="sysDot"/>
+          </a:ln>
+        </p:spPr>
+        <p:style>
+          <a:lnRef idx="2">
+            <a:schemeClr val="accent1">
+              <a:shade val="50000"/>
+            </a:schemeClr>
+          </a:lnRef>
+          <a:fillRef idx="1">
+            <a:schemeClr val="accent1"/>
+          </a:fillRef>
+          <a:effectRef idx="0">
+            <a:schemeClr val="accent1"/>
+          </a:effectRef>
+          <a:fontRef idx="minor">
+            <a:schemeClr val="lt1"/>
+          </a:fontRef>
+        </p:style>
+        <p:txBody>
+          <a:bodyPr rtlCol="0" anchor="ctr"/>
+          <a:lstStyle/>
+          <a:p>
+            <a:pPr algn="ctr"/>
+            <a:endParaRPr lang="zh-CN" altLang="en-US"/>
+          </a:p>
+        </p:txBody>
+      </p:sp>
+      <p:sp>
+        <p:nvSpPr>
+          <p:cNvPr id="3" name="标题 2">
+            <a:extLst>
+              <a:ext uri="{FF2B5EF4-FFF2-40B4-BE49-F238E27FC236}">
+                <a16:creationId xmlns:a16="http://schemas.microsoft.com/office/drawing/2014/main" id="{C85AA94F-4428-46C6-BD40-593F2392BF4C}"/>
+              </a:ext>
+            </a:extLst>
+          </p:cNvPr>
+          <p:cNvSpPr>
+            <a:spLocks noGrp="1"/>
+          </p:cNvSpPr>
+          <p:nvPr>
+            <p:ph type="title"/>
+          </p:nvPr>
+        </p:nvSpPr>
+        <p:spPr/>
+        <p:txBody>
+          <a:bodyPr/>
+          <a:lstStyle/>
+          <a:p>
+            <a:r>
+              <a:rPr lang="en-US" altLang="zh-CN" dirty="0" smtClean="0"/>
+              <a:t>API and Engine – Conclusion (2)</a:t>
+            </a:r>
+            <a:endParaRPr lang="zh-CN" altLang="en-US" dirty="0"/>
+          </a:p>
+        </p:txBody>
+      </p:sp>
+      <p:grpSp>
+        <p:nvGrpSpPr>
+          <p:cNvPr id="42" name="组合 41"/>
+          <p:cNvGrpSpPr/>
+          <p:nvPr/>
+        </p:nvGrpSpPr>
+        <p:grpSpPr>
+          <a:xfrm>
+            <a:off x="397711" y="1010653"/>
+            <a:ext cx="1817169" cy="593558"/>
+            <a:chOff x="397711" y="1010653"/>
+            <a:chExt cx="2413000" cy="593558"/>
+          </a:xfrm>
+        </p:grpSpPr>
+        <p:sp>
+          <p:nvSpPr>
+            <p:cNvPr id="34" name="圆角矩形 33"/>
+            <p:cNvSpPr/>
+            <p:nvPr/>
+          </p:nvSpPr>
+          <p:spPr>
+            <a:xfrm>
+              <a:off x="689811" y="1010653"/>
+              <a:ext cx="1828800" cy="593558"/>
+            </a:xfrm>
+            <a:prstGeom prst="roundRect">
+              <a:avLst/>
+            </a:prstGeom>
+            <a:solidFill>
+              <a:schemeClr val="accent1">
+                <a:lumMod val="20000"/>
+                <a:lumOff val="80000"/>
+              </a:schemeClr>
+            </a:solidFill>
+            <a:ln w="28575">
+              <a:solidFill>
+                <a:schemeClr val="accent1">
+                  <a:lumMod val="75000"/>
+                </a:schemeClr>
+              </a:solidFill>
+            </a:ln>
+          </p:spPr>
+          <p:style>
+            <a:lnRef idx="2">
+              <a:schemeClr val="accent1">
+                <a:shade val="50000"/>
+              </a:schemeClr>
+            </a:lnRef>
+            <a:fillRef idx="1">
+              <a:schemeClr val="accent1"/>
+            </a:fillRef>
+            <a:effectRef idx="0">
+              <a:schemeClr val="accent1"/>
+            </a:effectRef>
+            <a:fontRef idx="minor">
+              <a:schemeClr val="lt1"/>
+            </a:fontRef>
+          </p:style>
+          <p:txBody>
+            <a:bodyPr rtlCol="0" anchor="ctr"/>
+            <a:lstStyle/>
+            <a:p>
+              <a:pPr algn="ctr"/>
+              <a:endParaRPr lang="zh-CN" altLang="en-US"/>
+            </a:p>
+          </p:txBody>
+        </p:sp>
+        <p:sp>
+          <p:nvSpPr>
+            <p:cNvPr id="35" name="矩形 34"/>
+            <p:cNvSpPr/>
+            <p:nvPr/>
+          </p:nvSpPr>
+          <p:spPr>
+            <a:xfrm>
+              <a:off x="397711" y="1107377"/>
+              <a:ext cx="2413000" cy="400110"/>
+            </a:xfrm>
+            <a:prstGeom prst="rect">
+              <a:avLst/>
+            </a:prstGeom>
+          </p:spPr>
+          <p:txBody>
+            <a:bodyPr wrap="square">
+              <a:spAutoFit/>
+            </a:bodyPr>
+            <a:lstStyle/>
+            <a:p>
+              <a:pPr algn="ctr"/>
+              <a:r>
+                <a:rPr lang="en-US" altLang="zh-CN" sz="2000" dirty="0" smtClean="0">
+                  <a:solidFill>
+                    <a:schemeClr val="accent5">
+                      <a:lumMod val="50000"/>
+                    </a:schemeClr>
+                  </a:solidFill>
+                  <a:latin typeface="Palatino Linotype" panose="02040502050505030304" pitchFamily="18" charset="0"/>
+                </a:rPr>
+                <a:t>Data</a:t>
+              </a:r>
+              <a:endParaRPr lang="zh-CN" altLang="en-US" sz="2000" dirty="0">
+                <a:solidFill>
+                  <a:schemeClr val="accent5">
+                    <a:lumMod val="50000"/>
+                  </a:schemeClr>
+                </a:solidFill>
+                <a:latin typeface="Palatino Linotype" panose="02040502050505030304" pitchFamily="18" charset="0"/>
+              </a:endParaRPr>
+            </a:p>
+          </p:txBody>
+        </p:sp>
+      </p:grpSp>
+      <p:grpSp>
+        <p:nvGrpSpPr>
+          <p:cNvPr id="43" name="组合 42"/>
+          <p:cNvGrpSpPr/>
+          <p:nvPr/>
+        </p:nvGrpSpPr>
+        <p:grpSpPr>
+          <a:xfrm>
+            <a:off x="2434853" y="1010653"/>
+            <a:ext cx="2309867" cy="593558"/>
+            <a:chOff x="3516831" y="1010653"/>
+            <a:chExt cx="2413000" cy="593558"/>
+          </a:xfrm>
+        </p:grpSpPr>
+        <p:sp>
+          <p:nvSpPr>
+            <p:cNvPr id="36" name="圆角矩形 35"/>
+            <p:cNvSpPr/>
+            <p:nvPr/>
+          </p:nvSpPr>
+          <p:spPr>
+            <a:xfrm>
+              <a:off x="3808931" y="1010653"/>
+              <a:ext cx="1828800" cy="593558"/>
+            </a:xfrm>
+            <a:prstGeom prst="roundRect">
+              <a:avLst/>
+            </a:prstGeom>
+            <a:solidFill>
+              <a:schemeClr val="accent1">
+                <a:lumMod val="20000"/>
+                <a:lumOff val="80000"/>
+              </a:schemeClr>
+            </a:solidFill>
+            <a:ln w="28575">
+              <a:solidFill>
+                <a:schemeClr val="accent1">
+                  <a:lumMod val="75000"/>
+                </a:schemeClr>
+              </a:solidFill>
+            </a:ln>
+          </p:spPr>
+          <p:style>
+            <a:lnRef idx="2">
+              <a:schemeClr val="accent1">
+                <a:shade val="50000"/>
+              </a:schemeClr>
+            </a:lnRef>
+            <a:fillRef idx="1">
+              <a:schemeClr val="accent1"/>
+            </a:fillRef>
+            <a:effectRef idx="0">
+              <a:schemeClr val="accent1"/>
+            </a:effectRef>
+            <a:fontRef idx="minor">
+              <a:schemeClr val="lt1"/>
+            </a:fontRef>
+          </p:style>
+          <p:txBody>
+            <a:bodyPr rtlCol="0" anchor="ctr"/>
+            <a:lstStyle/>
+            <a:p>
+              <a:pPr algn="ctr"/>
+              <a:endParaRPr lang="zh-CN" altLang="en-US"/>
+            </a:p>
+          </p:txBody>
+        </p:sp>
+        <p:sp>
+          <p:nvSpPr>
+            <p:cNvPr id="37" name="矩形 36"/>
+            <p:cNvSpPr/>
+            <p:nvPr/>
+          </p:nvSpPr>
+          <p:spPr>
+            <a:xfrm>
+              <a:off x="3516831" y="1107377"/>
+              <a:ext cx="2413000" cy="400110"/>
+            </a:xfrm>
+            <a:prstGeom prst="rect">
+              <a:avLst/>
+            </a:prstGeom>
+          </p:spPr>
+          <p:txBody>
+            <a:bodyPr wrap="square">
+              <a:spAutoFit/>
+            </a:bodyPr>
+            <a:lstStyle/>
+            <a:p>
+              <a:pPr algn="ctr"/>
+              <a:r>
+                <a:rPr lang="en-US" altLang="zh-CN" sz="2000" dirty="0" smtClean="0">
+                  <a:solidFill>
+                    <a:schemeClr val="accent5">
+                      <a:lumMod val="50000"/>
+                    </a:schemeClr>
+                  </a:solidFill>
+                  <a:latin typeface="Palatino Linotype" panose="02040502050505030304" pitchFamily="18" charset="0"/>
+                </a:rPr>
+                <a:t>Models</a:t>
+              </a:r>
+              <a:endParaRPr lang="zh-CN" altLang="en-US" sz="2000" dirty="0">
+                <a:solidFill>
+                  <a:schemeClr val="accent5">
+                    <a:lumMod val="50000"/>
+                  </a:schemeClr>
+                </a:solidFill>
+                <a:latin typeface="Palatino Linotype" panose="02040502050505030304" pitchFamily="18" charset="0"/>
+              </a:endParaRPr>
+            </a:p>
+          </p:txBody>
+        </p:sp>
+      </p:grpSp>
+      <p:grpSp>
+        <p:nvGrpSpPr>
+          <p:cNvPr id="44" name="组合 43"/>
+          <p:cNvGrpSpPr/>
+          <p:nvPr/>
+        </p:nvGrpSpPr>
+        <p:grpSpPr>
+          <a:xfrm>
+            <a:off x="3439832" y="5449458"/>
+            <a:ext cx="2861109" cy="593558"/>
+            <a:chOff x="397711" y="1010653"/>
+            <a:chExt cx="2413000" cy="593558"/>
+          </a:xfrm>
+        </p:grpSpPr>
+        <p:sp>
+          <p:nvSpPr>
+            <p:cNvPr id="45" name="圆角矩形 44"/>
+            <p:cNvSpPr/>
+            <p:nvPr/>
+          </p:nvSpPr>
+          <p:spPr>
+            <a:xfrm>
+              <a:off x="689811" y="1010653"/>
+              <a:ext cx="1828800" cy="593558"/>
+            </a:xfrm>
+            <a:prstGeom prst="roundRect">
+              <a:avLst/>
+            </a:prstGeom>
+            <a:solidFill>
+              <a:srgbClr val="FCD2F6"/>
+            </a:solidFill>
+            <a:ln w="28575">
+              <a:solidFill>
+                <a:srgbClr val="7030A0"/>
+              </a:solidFill>
+            </a:ln>
+          </p:spPr>
+          <p:style>
+            <a:lnRef idx="2">
+              <a:schemeClr val="accent1">
+                <a:shade val="50000"/>
+              </a:schemeClr>
+            </a:lnRef>
+            <a:fillRef idx="1">
+              <a:schemeClr val="accent1"/>
+            </a:fillRef>
+            <a:effectRef idx="0">
+              <a:schemeClr val="accent1"/>
+            </a:effectRef>
+            <a:fontRef idx="minor">
+              <a:schemeClr val="lt1"/>
+            </a:fontRef>
+          </p:style>
+          <p:txBody>
+            <a:bodyPr rtlCol="0" anchor="ctr"/>
+            <a:lstStyle/>
+            <a:p>
+              <a:pPr algn="ctr"/>
+              <a:endParaRPr lang="zh-CN" altLang="en-US">
+                <a:solidFill>
+                  <a:srgbClr val="7030A0"/>
+                </a:solidFill>
+              </a:endParaRPr>
+            </a:p>
+          </p:txBody>
+        </p:sp>
+        <p:sp>
+          <p:nvSpPr>
+            <p:cNvPr id="46" name="矩形 45"/>
+            <p:cNvSpPr/>
+            <p:nvPr/>
+          </p:nvSpPr>
+          <p:spPr>
+            <a:xfrm>
+              <a:off x="397711" y="1107377"/>
+              <a:ext cx="2413000" cy="400110"/>
+            </a:xfrm>
+            <a:prstGeom prst="rect">
+              <a:avLst/>
+            </a:prstGeom>
+          </p:spPr>
+          <p:txBody>
+            <a:bodyPr wrap="square">
+              <a:spAutoFit/>
+            </a:bodyPr>
+            <a:lstStyle/>
+            <a:p>
+              <a:pPr algn="ctr"/>
+              <a:r>
+                <a:rPr lang="en-US" altLang="zh-CN" sz="2000" dirty="0" smtClean="0">
+                  <a:solidFill>
+                    <a:srgbClr val="7030A0"/>
+                  </a:solidFill>
+                  <a:latin typeface="Palatino Linotype" panose="02040502050505030304" pitchFamily="18" charset="0"/>
+                </a:rPr>
+                <a:t>Engine and APIs</a:t>
+              </a:r>
+              <a:endParaRPr lang="zh-CN" altLang="en-US" sz="2000" dirty="0">
+                <a:solidFill>
+                  <a:srgbClr val="7030A0"/>
+                </a:solidFill>
+                <a:latin typeface="Palatino Linotype" panose="02040502050505030304" pitchFamily="18" charset="0"/>
+              </a:endParaRPr>
+            </a:p>
+          </p:txBody>
+        </p:sp>
+      </p:grpSp>
+      <p:grpSp>
+        <p:nvGrpSpPr>
+          <p:cNvPr id="48" name="组合 47"/>
+          <p:cNvGrpSpPr/>
+          <p:nvPr/>
+        </p:nvGrpSpPr>
+        <p:grpSpPr>
+          <a:xfrm>
+            <a:off x="4836649" y="1010653"/>
+            <a:ext cx="2894129" cy="593558"/>
+            <a:chOff x="3516831" y="1010653"/>
+            <a:chExt cx="2413000" cy="593558"/>
+          </a:xfrm>
+        </p:grpSpPr>
+        <p:sp>
+          <p:nvSpPr>
+            <p:cNvPr id="49" name="圆角矩形 48"/>
+            <p:cNvSpPr/>
+            <p:nvPr/>
+          </p:nvSpPr>
+          <p:spPr>
+            <a:xfrm>
+              <a:off x="3808931" y="1010653"/>
+              <a:ext cx="1828800" cy="593558"/>
+            </a:xfrm>
+            <a:prstGeom prst="roundRect">
+              <a:avLst/>
+            </a:prstGeom>
+            <a:solidFill>
+              <a:schemeClr val="accent1">
+                <a:lumMod val="20000"/>
+                <a:lumOff val="80000"/>
+              </a:schemeClr>
+            </a:solidFill>
+            <a:ln w="28575">
+              <a:solidFill>
+                <a:schemeClr val="accent1">
+                  <a:lumMod val="75000"/>
+                </a:schemeClr>
+              </a:solidFill>
+            </a:ln>
+          </p:spPr>
+          <p:style>
+            <a:lnRef idx="2">
+              <a:schemeClr val="accent1">
+                <a:shade val="50000"/>
+              </a:schemeClr>
+            </a:lnRef>
+            <a:fillRef idx="1">
+              <a:schemeClr val="accent1"/>
+            </a:fillRef>
+            <a:effectRef idx="0">
+              <a:schemeClr val="accent1"/>
+            </a:effectRef>
+            <a:fontRef idx="minor">
+              <a:schemeClr val="lt1"/>
+            </a:fontRef>
+          </p:style>
+          <p:txBody>
+            <a:bodyPr rtlCol="0" anchor="ctr"/>
+            <a:lstStyle/>
+            <a:p>
+              <a:pPr algn="ctr"/>
+              <a:endParaRPr lang="zh-CN" altLang="en-US"/>
+            </a:p>
+          </p:txBody>
+        </p:sp>
+        <p:sp>
+          <p:nvSpPr>
+            <p:cNvPr id="50" name="矩形 49"/>
+            <p:cNvSpPr/>
+            <p:nvPr/>
+          </p:nvSpPr>
+          <p:spPr>
+            <a:xfrm>
+              <a:off x="3516831" y="1107377"/>
+              <a:ext cx="2413000" cy="400110"/>
+            </a:xfrm>
+            <a:prstGeom prst="rect">
+              <a:avLst/>
+            </a:prstGeom>
+          </p:spPr>
+          <p:txBody>
+            <a:bodyPr wrap="square">
+              <a:spAutoFit/>
+            </a:bodyPr>
+            <a:lstStyle/>
+            <a:p>
+              <a:pPr algn="ctr"/>
+              <a:r>
+                <a:rPr lang="en-US" altLang="zh-CN" sz="2000" dirty="0" smtClean="0">
+                  <a:solidFill>
+                    <a:schemeClr val="accent5">
+                      <a:lumMod val="50000"/>
+                    </a:schemeClr>
+                  </a:solidFill>
+                  <a:latin typeface="Palatino Linotype" panose="02040502050505030304" pitchFamily="18" charset="0"/>
+                </a:rPr>
+                <a:t>Applications</a:t>
+              </a:r>
+              <a:endParaRPr lang="zh-CN" altLang="en-US" sz="2000" dirty="0">
+                <a:solidFill>
+                  <a:schemeClr val="accent5">
+                    <a:lumMod val="50000"/>
+                  </a:schemeClr>
+                </a:solidFill>
+                <a:latin typeface="Palatino Linotype" panose="02040502050505030304" pitchFamily="18" charset="0"/>
+              </a:endParaRPr>
+            </a:p>
+          </p:txBody>
+        </p:sp>
+      </p:grpSp>
+      <p:grpSp>
+        <p:nvGrpSpPr>
+          <p:cNvPr id="54" name="组合 53"/>
+          <p:cNvGrpSpPr/>
+          <p:nvPr/>
+        </p:nvGrpSpPr>
+        <p:grpSpPr>
+          <a:xfrm>
+            <a:off x="3021118" y="4688414"/>
+            <a:ext cx="3702627" cy="593558"/>
+            <a:chOff x="397711" y="1010653"/>
+            <a:chExt cx="2413000" cy="593558"/>
+          </a:xfrm>
+        </p:grpSpPr>
+        <p:sp>
+          <p:nvSpPr>
+            <p:cNvPr id="55" name="圆角矩形 54"/>
+            <p:cNvSpPr/>
+            <p:nvPr/>
+          </p:nvSpPr>
+          <p:spPr>
+            <a:xfrm>
+              <a:off x="689811" y="1010653"/>
+              <a:ext cx="1828800" cy="593558"/>
+            </a:xfrm>
+            <a:prstGeom prst="roundRect">
+              <a:avLst/>
+            </a:prstGeom>
+            <a:solidFill>
+              <a:srgbClr val="FCD2F6"/>
+            </a:solidFill>
+            <a:ln w="28575">
+              <a:solidFill>
+                <a:srgbClr val="7030A0"/>
+              </a:solidFill>
+            </a:ln>
+          </p:spPr>
+          <p:style>
+            <a:lnRef idx="2">
+              <a:schemeClr val="accent1">
+                <a:shade val="50000"/>
+              </a:schemeClr>
+            </a:lnRef>
+            <a:fillRef idx="1">
+              <a:schemeClr val="accent1"/>
+            </a:fillRef>
+            <a:effectRef idx="0">
+              <a:schemeClr val="accent1"/>
+            </a:effectRef>
+            <a:fontRef idx="minor">
+              <a:schemeClr val="lt1"/>
+            </a:fontRef>
+          </p:style>
+          <p:txBody>
+            <a:bodyPr rtlCol="0" anchor="ctr"/>
+            <a:lstStyle/>
+            <a:p>
+              <a:pPr algn="ctr"/>
+              <a:endParaRPr lang="zh-CN" altLang="en-US">
+                <a:solidFill>
+                  <a:srgbClr val="7030A0"/>
+                </a:solidFill>
+              </a:endParaRPr>
+            </a:p>
+          </p:txBody>
+        </p:sp>
+        <p:sp>
+          <p:nvSpPr>
+            <p:cNvPr id="56" name="矩形 55"/>
+            <p:cNvSpPr/>
+            <p:nvPr/>
+          </p:nvSpPr>
+          <p:spPr>
+            <a:xfrm>
+              <a:off x="397711" y="1107377"/>
+              <a:ext cx="2413000" cy="400110"/>
+            </a:xfrm>
+            <a:prstGeom prst="rect">
+              <a:avLst/>
+            </a:prstGeom>
+          </p:spPr>
+          <p:txBody>
+            <a:bodyPr wrap="square">
+              <a:spAutoFit/>
+            </a:bodyPr>
+            <a:lstStyle/>
+            <a:p>
+              <a:pPr algn="ctr"/>
+              <a:r>
+                <a:rPr lang="en-US" altLang="zh-CN" sz="2000" dirty="0" smtClean="0">
+                  <a:solidFill>
+                    <a:srgbClr val="7030A0"/>
+                  </a:solidFill>
+                  <a:latin typeface="Palatino Linotype" panose="02040502050505030304" pitchFamily="18" charset="0"/>
+                </a:rPr>
+                <a:t>Utils and Visualization</a:t>
+              </a:r>
+              <a:endParaRPr lang="zh-CN" altLang="en-US" sz="2000" dirty="0">
+                <a:solidFill>
+                  <a:srgbClr val="7030A0"/>
+                </a:solidFill>
+                <a:latin typeface="Palatino Linotype" panose="02040502050505030304" pitchFamily="18" charset="0"/>
+              </a:endParaRPr>
+            </a:p>
+          </p:txBody>
+        </p:sp>
+      </p:grpSp>
+      <p:grpSp>
+        <p:nvGrpSpPr>
+          <p:cNvPr id="57" name="组合 56"/>
+          <p:cNvGrpSpPr/>
+          <p:nvPr/>
+        </p:nvGrpSpPr>
+        <p:grpSpPr>
+          <a:xfrm>
+            <a:off x="6685444" y="4102937"/>
+            <a:ext cx="2861109" cy="593558"/>
+            <a:chOff x="397711" y="1010653"/>
+            <a:chExt cx="2413000" cy="593558"/>
+          </a:xfrm>
+        </p:grpSpPr>
+        <p:sp>
+          <p:nvSpPr>
+            <p:cNvPr id="58" name="圆角矩形 57"/>
+            <p:cNvSpPr/>
+            <p:nvPr/>
+          </p:nvSpPr>
+          <p:spPr>
+            <a:xfrm>
+              <a:off x="689811" y="1010653"/>
+              <a:ext cx="1828800" cy="593558"/>
+            </a:xfrm>
+            <a:prstGeom prst="roundRect">
+              <a:avLst/>
+            </a:prstGeom>
+            <a:solidFill>
+              <a:schemeClr val="accent2">
+                <a:lumMod val="20000"/>
+                <a:lumOff val="80000"/>
+              </a:schemeClr>
+            </a:solidFill>
+            <a:ln w="28575">
+              <a:solidFill>
+                <a:srgbClr val="FF0000"/>
+              </a:solidFill>
+            </a:ln>
+          </p:spPr>
+          <p:style>
+            <a:lnRef idx="2">
+              <a:schemeClr val="accent1">
+                <a:shade val="50000"/>
+              </a:schemeClr>
+            </a:lnRef>
+            <a:fillRef idx="1">
+              <a:schemeClr val="accent1"/>
+            </a:fillRef>
+            <a:effectRef idx="0">
+              <a:schemeClr val="accent1"/>
+            </a:effectRef>
+            <a:fontRef idx="minor">
+              <a:schemeClr val="lt1"/>
+            </a:fontRef>
+          </p:style>
+          <p:txBody>
+            <a:bodyPr rtlCol="0" anchor="ctr"/>
+            <a:lstStyle/>
+            <a:p>
+              <a:pPr algn="ctr"/>
+              <a:endParaRPr lang="zh-CN" altLang="en-US" b="1">
+                <a:solidFill>
+                  <a:srgbClr val="FF0000"/>
+                </a:solidFill>
+              </a:endParaRPr>
+            </a:p>
+          </p:txBody>
+        </p:sp>
+        <p:sp>
+          <p:nvSpPr>
+            <p:cNvPr id="59" name="矩形 58"/>
+            <p:cNvSpPr/>
+            <p:nvPr/>
+          </p:nvSpPr>
+          <p:spPr>
+            <a:xfrm>
+              <a:off x="397711" y="1107377"/>
+              <a:ext cx="2413000" cy="400110"/>
+            </a:xfrm>
+            <a:prstGeom prst="rect">
+              <a:avLst/>
+            </a:prstGeom>
+          </p:spPr>
+          <p:txBody>
+            <a:bodyPr wrap="square">
+              <a:spAutoFit/>
+            </a:bodyPr>
+            <a:lstStyle/>
+            <a:p>
+              <a:pPr algn="ctr"/>
+              <a:r>
+                <a:rPr lang="en-US" altLang="zh-CN" sz="2000" b="1" dirty="0" smtClean="0">
+                  <a:solidFill>
+                    <a:srgbClr val="FF0000"/>
+                  </a:solidFill>
+                  <a:latin typeface="Palatino Linotype" panose="02040502050505030304" pitchFamily="18" charset="0"/>
+                </a:rPr>
+                <a:t>Executor</a:t>
+              </a:r>
+              <a:endParaRPr lang="zh-CN" altLang="en-US" sz="2000" b="1" dirty="0">
+                <a:solidFill>
+                  <a:srgbClr val="FF0000"/>
+                </a:solidFill>
+                <a:latin typeface="Palatino Linotype" panose="02040502050505030304" pitchFamily="18" charset="0"/>
+              </a:endParaRPr>
+            </a:p>
+          </p:txBody>
+        </p:sp>
+      </p:grpSp>
+      <p:grpSp>
+        <p:nvGrpSpPr>
+          <p:cNvPr id="60" name="组合 59"/>
+          <p:cNvGrpSpPr/>
+          <p:nvPr/>
+        </p:nvGrpSpPr>
+        <p:grpSpPr>
+          <a:xfrm>
+            <a:off x="8542632" y="1010653"/>
+            <a:ext cx="2894129" cy="593558"/>
+            <a:chOff x="3516831" y="1010653"/>
+            <a:chExt cx="2413000" cy="593558"/>
+          </a:xfrm>
+        </p:grpSpPr>
+        <p:sp>
+          <p:nvSpPr>
+            <p:cNvPr id="61" name="圆角矩形 60"/>
+            <p:cNvSpPr/>
+            <p:nvPr/>
+          </p:nvSpPr>
+          <p:spPr>
+            <a:xfrm>
+              <a:off x="3808931" y="1010653"/>
+              <a:ext cx="1828800" cy="593558"/>
+            </a:xfrm>
+            <a:prstGeom prst="roundRect">
+              <a:avLst/>
+            </a:prstGeom>
+            <a:solidFill>
+              <a:schemeClr val="accent6">
+                <a:lumMod val="20000"/>
+                <a:lumOff val="80000"/>
+              </a:schemeClr>
+            </a:solidFill>
+            <a:ln w="28575">
+              <a:solidFill>
+                <a:schemeClr val="accent6">
+                  <a:lumMod val="75000"/>
+                </a:schemeClr>
+              </a:solidFill>
+            </a:ln>
+          </p:spPr>
+          <p:style>
+            <a:lnRef idx="2">
+              <a:schemeClr val="accent1">
+                <a:shade val="50000"/>
+              </a:schemeClr>
+            </a:lnRef>
+            <a:fillRef idx="1">
+              <a:schemeClr val="accent1"/>
+            </a:fillRef>
+            <a:effectRef idx="0">
+              <a:schemeClr val="accent1"/>
+            </a:effectRef>
+            <a:fontRef idx="minor">
+              <a:schemeClr val="lt1"/>
+            </a:fontRef>
+          </p:style>
+          <p:txBody>
+            <a:bodyPr rtlCol="0" anchor="ctr"/>
+            <a:lstStyle/>
+            <a:p>
+              <a:pPr algn="ctr"/>
+              <a:endParaRPr lang="zh-CN" altLang="en-US">
+                <a:solidFill>
+                  <a:srgbClr val="00B050"/>
+                </a:solidFill>
+              </a:endParaRPr>
+            </a:p>
+          </p:txBody>
+        </p:sp>
+        <p:sp>
+          <p:nvSpPr>
+            <p:cNvPr id="62" name="矩形 61"/>
+            <p:cNvSpPr/>
+            <p:nvPr/>
+          </p:nvSpPr>
+          <p:spPr>
+            <a:xfrm>
+              <a:off x="3516831" y="1107377"/>
+              <a:ext cx="2413000" cy="400110"/>
+            </a:xfrm>
+            <a:prstGeom prst="rect">
+              <a:avLst/>
+            </a:prstGeom>
+          </p:spPr>
+          <p:txBody>
+            <a:bodyPr wrap="square">
+              <a:spAutoFit/>
+            </a:bodyPr>
+            <a:lstStyle/>
+            <a:p>
+              <a:pPr algn="ctr"/>
+              <a:r>
+                <a:rPr lang="en-US" altLang="zh-CN" sz="2000" dirty="0" smtClean="0">
+                  <a:solidFill>
+                    <a:srgbClr val="00B050"/>
+                  </a:solidFill>
+                  <a:latin typeface="Palatino Linotype" panose="02040502050505030304" pitchFamily="18" charset="0"/>
+                </a:rPr>
+                <a:t>Users</a:t>
+              </a:r>
+              <a:endParaRPr lang="zh-CN" altLang="en-US" sz="2000" dirty="0">
+                <a:solidFill>
+                  <a:srgbClr val="00B050"/>
+                </a:solidFill>
+                <a:latin typeface="Palatino Linotype" panose="02040502050505030304" pitchFamily="18" charset="0"/>
+              </a:endParaRPr>
+            </a:p>
+          </p:txBody>
+        </p:sp>
+      </p:grpSp>
+      <p:sp>
+        <p:nvSpPr>
+          <p:cNvPr id="63" name="矩形 62"/>
+          <p:cNvSpPr/>
+          <p:nvPr/>
+        </p:nvSpPr>
+        <p:spPr>
+          <a:xfrm>
+            <a:off x="429939" y="1726194"/>
+            <a:ext cx="2852590" cy="2000548"/>
+          </a:xfrm>
+          <a:prstGeom prst="rect">
+            <a:avLst/>
+          </a:prstGeom>
+        </p:spPr>
+        <p:txBody>
+          <a:bodyPr wrap="square">
+            <a:spAutoFit/>
+          </a:bodyPr>
+          <a:lstStyle/>
+          <a:p>
+            <a:pPr algn="just"/>
+            <a:r>
+              <a:rPr lang="en-US" altLang="zh-CN" sz="2000" b="1" dirty="0" smtClean="0">
+                <a:solidFill>
+                  <a:schemeClr val="accent5">
+                    <a:lumMod val="50000"/>
+                  </a:schemeClr>
+                </a:solidFill>
+                <a:latin typeface="Palatino Linotype" panose="02040502050505030304" pitchFamily="18" charset="0"/>
+              </a:rPr>
+              <a:t>Case Data</a:t>
+            </a:r>
+          </a:p>
+          <a:p>
+            <a:pPr algn="just"/>
+            <a:r>
+              <a:rPr lang="en-US" altLang="zh-CN" sz="1400" dirty="0" smtClean="0">
+                <a:solidFill>
+                  <a:schemeClr val="accent5">
+                    <a:lumMod val="50000"/>
+                  </a:schemeClr>
+                </a:solidFill>
+                <a:latin typeface="Palatino Linotype" panose="02040502050505030304" pitchFamily="18" charset="0"/>
+              </a:rPr>
+              <a:t>Confirmed</a:t>
+            </a:r>
+          </a:p>
+          <a:p>
+            <a:pPr algn="just"/>
+            <a:r>
+              <a:rPr lang="en-US" altLang="zh-CN" sz="1400" dirty="0" smtClean="0">
+                <a:solidFill>
+                  <a:schemeClr val="accent5">
+                    <a:lumMod val="50000"/>
+                  </a:schemeClr>
+                </a:solidFill>
+                <a:latin typeface="Palatino Linotype" panose="02040502050505030304" pitchFamily="18" charset="0"/>
+              </a:rPr>
+              <a:t>Recovered</a:t>
+            </a:r>
+          </a:p>
+          <a:p>
+            <a:pPr algn="just"/>
+            <a:r>
+              <a:rPr lang="en-US" altLang="zh-CN" sz="1400" dirty="0" smtClean="0">
+                <a:solidFill>
+                  <a:schemeClr val="accent5">
+                    <a:lumMod val="50000"/>
+                  </a:schemeClr>
+                </a:solidFill>
+                <a:latin typeface="Palatino Linotype" panose="02040502050505030304" pitchFamily="18" charset="0"/>
+              </a:rPr>
+              <a:t>Death</a:t>
+            </a:r>
+            <a:endParaRPr lang="en-US" altLang="zh-CN" sz="1400" dirty="0">
+              <a:solidFill>
+                <a:schemeClr val="accent5">
+                  <a:lumMod val="50000"/>
+                </a:schemeClr>
+              </a:solidFill>
+              <a:latin typeface="Palatino Linotype" panose="02040502050505030304" pitchFamily="18" charset="0"/>
+            </a:endParaRPr>
+          </a:p>
+          <a:p>
+            <a:pPr algn="just"/>
+            <a:r>
+              <a:rPr lang="en-US" altLang="zh-CN" sz="2000" b="1" dirty="0" smtClean="0">
+                <a:solidFill>
+                  <a:schemeClr val="accent5">
+                    <a:lumMod val="50000"/>
+                  </a:schemeClr>
+                </a:solidFill>
+                <a:latin typeface="Palatino Linotype" panose="02040502050505030304" pitchFamily="18" charset="0"/>
+              </a:rPr>
+              <a:t>Non-case Data</a:t>
+            </a:r>
+          </a:p>
+          <a:p>
+            <a:pPr algn="just"/>
+            <a:r>
+              <a:rPr lang="en-US" altLang="zh-CN" sz="1400" dirty="0" smtClean="0">
+                <a:solidFill>
+                  <a:schemeClr val="accent5">
+                    <a:lumMod val="50000"/>
+                  </a:schemeClr>
+                </a:solidFill>
+                <a:latin typeface="Palatino Linotype" panose="02040502050505030304" pitchFamily="18" charset="0"/>
+              </a:rPr>
+              <a:t>Mobility</a:t>
+            </a:r>
+          </a:p>
+          <a:p>
+            <a:pPr algn="just"/>
+            <a:r>
+              <a:rPr lang="en-US" altLang="zh-CN" sz="1400" dirty="0" smtClean="0">
+                <a:solidFill>
+                  <a:schemeClr val="accent5">
+                    <a:lumMod val="50000"/>
+                  </a:schemeClr>
+                </a:solidFill>
+                <a:latin typeface="Palatino Linotype" panose="02040502050505030304" pitchFamily="18" charset="0"/>
+              </a:rPr>
+              <a:t>NPI</a:t>
+            </a:r>
+          </a:p>
+          <a:p>
+            <a:pPr algn="just"/>
+            <a:r>
+              <a:rPr lang="en-US" altLang="zh-CN" sz="1400" dirty="0" smtClean="0">
+                <a:solidFill>
+                  <a:schemeClr val="accent5">
+                    <a:lumMod val="50000"/>
+                  </a:schemeClr>
+                </a:solidFill>
+                <a:latin typeface="Palatino Linotype" panose="02040502050505030304" pitchFamily="18" charset="0"/>
+              </a:rPr>
+              <a:t>Climate</a:t>
+            </a:r>
+            <a:endParaRPr lang="en-US" altLang="zh-CN" sz="1400" dirty="0" smtClean="0">
+              <a:solidFill>
+                <a:schemeClr val="accent5">
+                  <a:lumMod val="50000"/>
+                </a:schemeClr>
+              </a:solidFill>
+              <a:latin typeface="Palatino Linotype" panose="02040502050505030304" pitchFamily="18" charset="0"/>
+            </a:endParaRPr>
+          </a:p>
+        </p:txBody>
+      </p:sp>
+      <p:sp>
+        <p:nvSpPr>
+          <p:cNvPr id="67" name="矩形 66"/>
+          <p:cNvSpPr/>
+          <p:nvPr/>
+        </p:nvSpPr>
+        <p:spPr>
+          <a:xfrm>
+            <a:off x="2636301" y="1734936"/>
+            <a:ext cx="2852590" cy="2215991"/>
+          </a:xfrm>
+          <a:prstGeom prst="rect">
+            <a:avLst/>
+          </a:prstGeom>
+        </p:spPr>
+        <p:txBody>
+          <a:bodyPr wrap="square">
+            <a:spAutoFit/>
+          </a:bodyPr>
+          <a:lstStyle/>
+          <a:p>
+            <a:pPr algn="just"/>
+            <a:r>
+              <a:rPr lang="en-US" altLang="zh-CN" sz="2000" b="1" dirty="0" smtClean="0">
+                <a:solidFill>
+                  <a:schemeClr val="accent5">
+                    <a:lumMod val="50000"/>
+                  </a:schemeClr>
+                </a:solidFill>
+                <a:latin typeface="Palatino Linotype" panose="02040502050505030304" pitchFamily="18" charset="0"/>
+              </a:rPr>
+              <a:t>Classical</a:t>
+            </a:r>
+          </a:p>
+          <a:p>
+            <a:pPr algn="just"/>
+            <a:r>
+              <a:rPr lang="en-US" altLang="zh-CN" sz="1400" dirty="0" smtClean="0">
+                <a:solidFill>
+                  <a:schemeClr val="accent5">
+                    <a:lumMod val="50000"/>
+                  </a:schemeClr>
+                </a:solidFill>
+                <a:latin typeface="Palatino Linotype" panose="02040502050505030304" pitchFamily="18" charset="0"/>
+              </a:rPr>
+              <a:t>SIR\SEIR\SEPIR</a:t>
+            </a:r>
+          </a:p>
+          <a:p>
+            <a:pPr algn="just"/>
+            <a:endParaRPr lang="en-US" altLang="zh-CN" sz="1400" dirty="0">
+              <a:solidFill>
+                <a:schemeClr val="accent5">
+                  <a:lumMod val="50000"/>
+                </a:schemeClr>
+              </a:solidFill>
+              <a:latin typeface="Palatino Linotype" panose="02040502050505030304" pitchFamily="18" charset="0"/>
+            </a:endParaRPr>
+          </a:p>
+          <a:p>
+            <a:pPr algn="just"/>
+            <a:endParaRPr lang="en-US" altLang="zh-CN" sz="1400" dirty="0">
+              <a:solidFill>
+                <a:schemeClr val="accent5">
+                  <a:lumMod val="50000"/>
+                </a:schemeClr>
+              </a:solidFill>
+              <a:latin typeface="Palatino Linotype" panose="02040502050505030304" pitchFamily="18" charset="0"/>
+            </a:endParaRPr>
+          </a:p>
+          <a:p>
+            <a:pPr algn="just"/>
+            <a:r>
+              <a:rPr lang="en-US" altLang="zh-CN" sz="2000" b="1" dirty="0" smtClean="0">
+                <a:solidFill>
+                  <a:schemeClr val="accent5">
+                    <a:lumMod val="50000"/>
+                  </a:schemeClr>
+                </a:solidFill>
+                <a:latin typeface="Palatino Linotype" panose="02040502050505030304" pitchFamily="18" charset="0"/>
+              </a:rPr>
+              <a:t>Complex</a:t>
+            </a:r>
+          </a:p>
+          <a:p>
+            <a:pPr algn="just"/>
+            <a:r>
+              <a:rPr lang="en-US" altLang="zh-CN" sz="1400" dirty="0" smtClean="0">
+                <a:solidFill>
+                  <a:schemeClr val="accent5">
+                    <a:lumMod val="50000"/>
+                  </a:schemeClr>
+                </a:solidFill>
+                <a:latin typeface="Palatino Linotype" panose="02040502050505030304" pitchFamily="18" charset="0"/>
+              </a:rPr>
+              <a:t>Meta-population</a:t>
+            </a:r>
+          </a:p>
+          <a:p>
+            <a:pPr algn="just"/>
+            <a:r>
+              <a:rPr lang="en-US" altLang="zh-CN" sz="1400" dirty="0" smtClean="0">
+                <a:solidFill>
+                  <a:schemeClr val="accent5">
+                    <a:lumMod val="50000"/>
+                  </a:schemeClr>
+                </a:solidFill>
+                <a:latin typeface="Palatino Linotype" panose="02040502050505030304" pitchFamily="18" charset="0"/>
+              </a:rPr>
+              <a:t>Subdivided</a:t>
+            </a:r>
+          </a:p>
+          <a:p>
+            <a:pPr algn="just"/>
+            <a:r>
+              <a:rPr lang="en-US" altLang="zh-CN" sz="1400" dirty="0" smtClean="0">
+                <a:solidFill>
+                  <a:schemeClr val="accent5">
+                    <a:lumMod val="50000"/>
+                  </a:schemeClr>
+                </a:solidFill>
+                <a:latin typeface="Palatino Linotype" panose="02040502050505030304" pitchFamily="18" charset="0"/>
+              </a:rPr>
+              <a:t>Multi-stage</a:t>
+            </a:r>
+          </a:p>
+          <a:p>
+            <a:pPr algn="just"/>
+            <a:r>
+              <a:rPr lang="en-US" altLang="zh-CN" sz="1400" dirty="0" smtClean="0">
+                <a:solidFill>
+                  <a:schemeClr val="accent5">
+                    <a:lumMod val="50000"/>
+                  </a:schemeClr>
+                </a:solidFill>
+                <a:latin typeface="Palatino Linotype" panose="02040502050505030304" pitchFamily="18" charset="0"/>
+              </a:rPr>
+              <a:t>Dynamic parameters</a:t>
+            </a:r>
+          </a:p>
+        </p:txBody>
+      </p:sp>
+      <p:pic>
+        <p:nvPicPr>
+          <p:cNvPr id="1025" name="图片 1024"/>
+          <p:cNvPicPr>
+            <a:picLocks noChangeAspect="1"/>
+          </p:cNvPicPr>
+          <p:nvPr/>
+        </p:nvPicPr>
+        <p:blipFill>
+          <a:blip r:embed="rId8"/>
+          <a:stretch>
+            <a:fillRect/>
+          </a:stretch>
+        </p:blipFill>
+        <p:spPr>
+          <a:xfrm>
+            <a:off x="2797571" y="2317061"/>
+            <a:ext cx="1650732" cy="396049"/>
+          </a:xfrm>
+          <a:prstGeom prst="rect">
+            <a:avLst/>
+          </a:prstGeom>
+        </p:spPr>
+      </p:pic>
+      <p:pic>
+        <p:nvPicPr>
+          <p:cNvPr id="1027" name="图片 1026"/>
+          <p:cNvPicPr>
+            <a:picLocks noChangeAspect="1"/>
+          </p:cNvPicPr>
+          <p:nvPr/>
+        </p:nvPicPr>
+        <p:blipFill rotWithShape="1">
+          <a:blip r:embed="rId9"/>
+          <a:srcRect r="1770"/>
+          <a:stretch/>
+        </p:blipFill>
+        <p:spPr>
+          <a:xfrm>
+            <a:off x="681718" y="3672559"/>
+            <a:ext cx="1328920" cy="627809"/>
+          </a:xfrm>
+          <a:prstGeom prst="rect">
+            <a:avLst/>
+          </a:prstGeom>
+        </p:spPr>
+      </p:pic>
+      <p:grpSp>
+        <p:nvGrpSpPr>
+          <p:cNvPr id="1029" name="组合 1028"/>
+          <p:cNvGrpSpPr/>
+          <p:nvPr/>
+        </p:nvGrpSpPr>
+        <p:grpSpPr>
+          <a:xfrm>
+            <a:off x="1890350" y="2367790"/>
+            <a:ext cx="1089006" cy="421421"/>
+            <a:chOff x="1890350" y="2367790"/>
+            <a:chExt cx="1089006" cy="421421"/>
+          </a:xfrm>
+        </p:grpSpPr>
+        <p:sp>
+          <p:nvSpPr>
+            <p:cNvPr id="1028" name="下箭头 1027"/>
+            <p:cNvSpPr/>
+            <p:nvPr/>
+          </p:nvSpPr>
+          <p:spPr>
+            <a:xfrm rot="16200000">
+              <a:off x="2254879" y="2218336"/>
+              <a:ext cx="421421" cy="720330"/>
+            </a:xfrm>
+            <a:prstGeom prst="downArrow">
+              <a:avLst/>
+            </a:prstGeom>
+            <a:solidFill>
+              <a:schemeClr val="bg1"/>
+            </a:solidFill>
+            <a:ln w="38100">
+              <a:solidFill>
+                <a:schemeClr val="tx1"/>
+              </a:solidFill>
+            </a:ln>
+          </p:spPr>
+          <p:style>
+            <a:lnRef idx="2">
+              <a:schemeClr val="accent1">
+                <a:shade val="50000"/>
+              </a:schemeClr>
+            </a:lnRef>
+            <a:fillRef idx="1">
+              <a:schemeClr val="accent1"/>
+            </a:fillRef>
+            <a:effectRef idx="0">
+              <a:schemeClr val="accent1"/>
+            </a:effectRef>
+            <a:fontRef idx="minor">
+              <a:schemeClr val="lt1"/>
+            </a:fontRef>
+          </p:style>
+          <p:txBody>
+            <a:bodyPr rtlCol="0" anchor="ctr"/>
+            <a:lstStyle/>
+            <a:p>
+              <a:pPr algn="ctr"/>
+              <a:endParaRPr lang="zh-CN" altLang="en-US"/>
+            </a:p>
+          </p:txBody>
+        </p:sp>
+        <p:sp>
+          <p:nvSpPr>
+            <p:cNvPr id="71" name="矩形 70"/>
+            <p:cNvSpPr/>
+            <p:nvPr/>
+          </p:nvSpPr>
+          <p:spPr>
+            <a:xfrm>
+              <a:off x="1890350" y="2422076"/>
+              <a:ext cx="1089006" cy="276999"/>
+            </a:xfrm>
+            <a:prstGeom prst="rect">
+              <a:avLst/>
+            </a:prstGeom>
+          </p:spPr>
+          <p:txBody>
+            <a:bodyPr wrap="square">
+              <a:spAutoFit/>
+            </a:bodyPr>
+            <a:lstStyle/>
+            <a:p>
+              <a:pPr algn="ctr"/>
+              <a:r>
+                <a:rPr lang="en-US" altLang="zh-CN" sz="1200" dirty="0" smtClean="0">
+                  <a:solidFill>
+                    <a:schemeClr val="accent5">
+                      <a:lumMod val="50000"/>
+                    </a:schemeClr>
+                  </a:solidFill>
+                  <a:latin typeface="Palatino Linotype" panose="02040502050505030304" pitchFamily="18" charset="0"/>
+                </a:rPr>
+                <a:t>Support</a:t>
+              </a:r>
+              <a:endParaRPr lang="zh-CN" altLang="en-US" sz="1200" dirty="0">
+                <a:solidFill>
+                  <a:schemeClr val="accent5">
+                    <a:lumMod val="50000"/>
+                  </a:schemeClr>
+                </a:solidFill>
+                <a:latin typeface="Palatino Linotype" panose="02040502050505030304" pitchFamily="18" charset="0"/>
+              </a:endParaRPr>
+            </a:p>
+          </p:txBody>
+        </p:sp>
+      </p:grpSp>
+      <p:grpSp>
+        <p:nvGrpSpPr>
+          <p:cNvPr id="73" name="组合 72"/>
+          <p:cNvGrpSpPr/>
+          <p:nvPr/>
+        </p:nvGrpSpPr>
+        <p:grpSpPr>
+          <a:xfrm>
+            <a:off x="4347330" y="2388413"/>
+            <a:ext cx="1089006" cy="421421"/>
+            <a:chOff x="1890350" y="2367790"/>
+            <a:chExt cx="1089006" cy="421421"/>
+          </a:xfrm>
+        </p:grpSpPr>
+        <p:sp>
+          <p:nvSpPr>
+            <p:cNvPr id="74" name="下箭头 73"/>
+            <p:cNvSpPr/>
+            <p:nvPr/>
+          </p:nvSpPr>
+          <p:spPr>
+            <a:xfrm rot="16200000">
+              <a:off x="2254879" y="2218336"/>
+              <a:ext cx="421421" cy="720330"/>
+            </a:xfrm>
+            <a:prstGeom prst="downArrow">
+              <a:avLst/>
+            </a:prstGeom>
+            <a:solidFill>
+              <a:schemeClr val="bg1"/>
+            </a:solidFill>
+            <a:ln w="38100">
+              <a:solidFill>
+                <a:schemeClr val="tx1"/>
+              </a:solidFill>
+            </a:ln>
+          </p:spPr>
+          <p:style>
+            <a:lnRef idx="2">
+              <a:schemeClr val="accent1">
+                <a:shade val="50000"/>
+              </a:schemeClr>
+            </a:lnRef>
+            <a:fillRef idx="1">
+              <a:schemeClr val="accent1"/>
+            </a:fillRef>
+            <a:effectRef idx="0">
+              <a:schemeClr val="accent1"/>
+            </a:effectRef>
+            <a:fontRef idx="minor">
+              <a:schemeClr val="lt1"/>
+            </a:fontRef>
+          </p:style>
+          <p:txBody>
+            <a:bodyPr rtlCol="0" anchor="ctr"/>
+            <a:lstStyle/>
+            <a:p>
+              <a:pPr algn="ctr"/>
+              <a:endParaRPr lang="zh-CN" altLang="en-US"/>
+            </a:p>
+          </p:txBody>
+        </p:sp>
+        <p:sp>
+          <p:nvSpPr>
+            <p:cNvPr id="75" name="矩形 74"/>
+            <p:cNvSpPr/>
+            <p:nvPr/>
+          </p:nvSpPr>
+          <p:spPr>
+            <a:xfrm>
+              <a:off x="1890350" y="2422076"/>
+              <a:ext cx="1089006" cy="276999"/>
+            </a:xfrm>
+            <a:prstGeom prst="rect">
+              <a:avLst/>
+            </a:prstGeom>
+          </p:spPr>
+          <p:txBody>
+            <a:bodyPr wrap="square">
+              <a:spAutoFit/>
+            </a:bodyPr>
+            <a:lstStyle/>
+            <a:p>
+              <a:pPr algn="ctr"/>
+              <a:r>
+                <a:rPr lang="en-US" altLang="zh-CN" sz="1200" dirty="0" smtClean="0">
+                  <a:solidFill>
+                    <a:schemeClr val="accent5">
+                      <a:lumMod val="50000"/>
+                    </a:schemeClr>
+                  </a:solidFill>
+                  <a:latin typeface="Palatino Linotype" panose="02040502050505030304" pitchFamily="18" charset="0"/>
+                </a:rPr>
+                <a:t>Support</a:t>
+              </a:r>
+              <a:endParaRPr lang="zh-CN" altLang="en-US" sz="1200" dirty="0">
+                <a:solidFill>
+                  <a:schemeClr val="accent5">
+                    <a:lumMod val="50000"/>
+                  </a:schemeClr>
+                </a:solidFill>
+                <a:latin typeface="Palatino Linotype" panose="02040502050505030304" pitchFamily="18" charset="0"/>
+              </a:endParaRPr>
+            </a:p>
+          </p:txBody>
+        </p:sp>
+      </p:grpSp>
+      <p:sp>
+        <p:nvSpPr>
+          <p:cNvPr id="77" name="矩形 76"/>
+          <p:cNvSpPr/>
+          <p:nvPr/>
+        </p:nvSpPr>
+        <p:spPr>
+          <a:xfrm>
+            <a:off x="5116141" y="1734935"/>
+            <a:ext cx="2852590" cy="2092881"/>
+          </a:xfrm>
+          <a:prstGeom prst="rect">
+            <a:avLst/>
+          </a:prstGeom>
+        </p:spPr>
+        <p:txBody>
+          <a:bodyPr wrap="square">
+            <a:spAutoFit/>
+          </a:bodyPr>
+          <a:lstStyle/>
+          <a:p>
+            <a:pPr algn="just"/>
+            <a:r>
+              <a:rPr lang="en-US" altLang="zh-CN" sz="2000" b="1" dirty="0" smtClean="0">
+                <a:solidFill>
+                  <a:schemeClr val="accent5">
+                    <a:lumMod val="50000"/>
+                  </a:schemeClr>
+                </a:solidFill>
+                <a:latin typeface="Palatino Linotype" panose="02040502050505030304" pitchFamily="18" charset="0"/>
+              </a:rPr>
+              <a:t>NPI Deduction</a:t>
+            </a:r>
+          </a:p>
+          <a:p>
+            <a:pPr algn="just"/>
+            <a:r>
+              <a:rPr lang="en-US" altLang="zh-CN" sz="1400" dirty="0" smtClean="0">
+                <a:solidFill>
+                  <a:schemeClr val="accent5">
+                    <a:lumMod val="50000"/>
+                  </a:schemeClr>
+                </a:solidFill>
+                <a:latin typeface="Palatino Linotype" panose="02040502050505030304" pitchFamily="18" charset="0"/>
+              </a:rPr>
+              <a:t>SEPAIR + No-code settings</a:t>
+            </a:r>
+          </a:p>
+          <a:p>
+            <a:pPr algn="just"/>
+            <a:endParaRPr lang="en-US" altLang="zh-CN" sz="1400" dirty="0">
+              <a:solidFill>
+                <a:schemeClr val="accent5">
+                  <a:lumMod val="50000"/>
+                </a:schemeClr>
+              </a:solidFill>
+              <a:latin typeface="Palatino Linotype" panose="02040502050505030304" pitchFamily="18" charset="0"/>
+            </a:endParaRPr>
+          </a:p>
+          <a:p>
+            <a:pPr algn="just"/>
+            <a:endParaRPr lang="en-US" altLang="zh-CN" sz="1400" dirty="0">
+              <a:solidFill>
+                <a:schemeClr val="accent5">
+                  <a:lumMod val="50000"/>
+                </a:schemeClr>
+              </a:solidFill>
+              <a:latin typeface="Palatino Linotype" panose="02040502050505030304" pitchFamily="18" charset="0"/>
+            </a:endParaRPr>
+          </a:p>
+          <a:p>
+            <a:pPr algn="just"/>
+            <a:endParaRPr lang="en-US" altLang="zh-CN" sz="2000" b="1" dirty="0" smtClean="0">
+              <a:solidFill>
+                <a:schemeClr val="accent5">
+                  <a:lumMod val="50000"/>
+                </a:schemeClr>
+              </a:solidFill>
+              <a:latin typeface="Palatino Linotype" panose="02040502050505030304" pitchFamily="18" charset="0"/>
+            </a:endParaRPr>
+          </a:p>
+          <a:p>
+            <a:pPr algn="just"/>
+            <a:r>
+              <a:rPr lang="en-US" altLang="zh-CN" sz="2000" b="1" dirty="0" smtClean="0">
+                <a:solidFill>
+                  <a:schemeClr val="accent5">
+                    <a:lumMod val="50000"/>
+                  </a:schemeClr>
+                </a:solidFill>
+                <a:latin typeface="Palatino Linotype" panose="02040502050505030304" pitchFamily="18" charset="0"/>
+              </a:rPr>
+              <a:t>One-fit-all Model</a:t>
+            </a:r>
+          </a:p>
+          <a:p>
+            <a:pPr algn="just"/>
+            <a:r>
+              <a:rPr lang="en-US" altLang="zh-CN" sz="1400" dirty="0" smtClean="0">
+                <a:solidFill>
+                  <a:schemeClr val="accent5">
+                    <a:lumMod val="50000"/>
+                  </a:schemeClr>
+                </a:solidFill>
+                <a:latin typeface="Palatino Linotype" panose="02040502050505030304" pitchFamily="18" charset="0"/>
+              </a:rPr>
+              <a:t>SIR/SEIR/SEPIR/birth/death</a:t>
+            </a:r>
+          </a:p>
+          <a:p>
+            <a:pPr algn="just"/>
+            <a:r>
+              <a:rPr lang="en-US" altLang="zh-CN" sz="1400" dirty="0" smtClean="0">
+                <a:solidFill>
+                  <a:schemeClr val="accent5">
+                    <a:lumMod val="50000"/>
+                  </a:schemeClr>
+                </a:solidFill>
+                <a:latin typeface="Palatino Linotype" panose="02040502050505030304" pitchFamily="18" charset="0"/>
+              </a:rPr>
+              <a:t>Multi-stage + Auto search</a:t>
+            </a:r>
+          </a:p>
+        </p:txBody>
+      </p:sp>
+      <p:pic>
+        <p:nvPicPr>
+          <p:cNvPr id="1031" name="图片 1030"/>
+          <p:cNvPicPr>
+            <a:picLocks noChangeAspect="1"/>
+          </p:cNvPicPr>
+          <p:nvPr/>
+        </p:nvPicPr>
+        <p:blipFill>
+          <a:blip r:embed="rId10"/>
+          <a:stretch>
+            <a:fillRect/>
+          </a:stretch>
+        </p:blipFill>
+        <p:spPr>
+          <a:xfrm>
+            <a:off x="5732896" y="3741904"/>
+            <a:ext cx="1186498" cy="597329"/>
+          </a:xfrm>
+          <a:prstGeom prst="rect">
+            <a:avLst/>
+          </a:prstGeom>
+        </p:spPr>
+      </p:pic>
+      <p:grpSp>
+        <p:nvGrpSpPr>
+          <p:cNvPr id="82" name="组合 81"/>
+          <p:cNvGrpSpPr/>
+          <p:nvPr/>
+        </p:nvGrpSpPr>
+        <p:grpSpPr>
+          <a:xfrm rot="5400000">
+            <a:off x="812326" y="4343229"/>
+            <a:ext cx="1089006" cy="421421"/>
+            <a:chOff x="1890350" y="2367790"/>
+            <a:chExt cx="1089006" cy="421421"/>
+          </a:xfrm>
+        </p:grpSpPr>
+        <p:sp>
+          <p:nvSpPr>
+            <p:cNvPr id="83" name="下箭头 82"/>
+            <p:cNvSpPr/>
+            <p:nvPr/>
+          </p:nvSpPr>
+          <p:spPr>
+            <a:xfrm rot="16200000">
+              <a:off x="2254879" y="2218336"/>
+              <a:ext cx="421421" cy="720330"/>
+            </a:xfrm>
+            <a:prstGeom prst="downArrow">
+              <a:avLst/>
+            </a:prstGeom>
+            <a:solidFill>
+              <a:schemeClr val="bg1"/>
+            </a:solidFill>
+            <a:ln w="38100">
+              <a:solidFill>
+                <a:schemeClr val="tx1"/>
+              </a:solidFill>
+            </a:ln>
+          </p:spPr>
+          <p:style>
+            <a:lnRef idx="2">
+              <a:schemeClr val="accent1">
+                <a:shade val="50000"/>
+              </a:schemeClr>
+            </a:lnRef>
+            <a:fillRef idx="1">
+              <a:schemeClr val="accent1"/>
+            </a:fillRef>
+            <a:effectRef idx="0">
+              <a:schemeClr val="accent1"/>
+            </a:effectRef>
+            <a:fontRef idx="minor">
+              <a:schemeClr val="lt1"/>
+            </a:fontRef>
+          </p:style>
+          <p:txBody>
+            <a:bodyPr rtlCol="0" anchor="ctr"/>
+            <a:lstStyle/>
+            <a:p>
+              <a:pPr algn="ctr"/>
+              <a:endParaRPr lang="zh-CN" altLang="en-US"/>
+            </a:p>
+          </p:txBody>
+        </p:sp>
+        <p:sp>
+          <p:nvSpPr>
+            <p:cNvPr id="84" name="矩形 83"/>
+            <p:cNvSpPr/>
+            <p:nvPr/>
+          </p:nvSpPr>
+          <p:spPr>
+            <a:xfrm>
+              <a:off x="1890350" y="2422076"/>
+              <a:ext cx="1089006" cy="276999"/>
+            </a:xfrm>
+            <a:prstGeom prst="rect">
+              <a:avLst/>
+            </a:prstGeom>
+          </p:spPr>
+          <p:txBody>
+            <a:bodyPr wrap="square">
+              <a:spAutoFit/>
+            </a:bodyPr>
+            <a:lstStyle/>
+            <a:p>
+              <a:pPr algn="ctr"/>
+              <a:r>
+                <a:rPr lang="en-US" altLang="zh-CN" sz="1200" dirty="0" smtClean="0">
+                  <a:solidFill>
+                    <a:schemeClr val="accent5">
+                      <a:lumMod val="50000"/>
+                    </a:schemeClr>
+                  </a:solidFill>
+                  <a:latin typeface="Palatino Linotype" panose="02040502050505030304" pitchFamily="18" charset="0"/>
+                </a:rPr>
+                <a:t>extract</a:t>
+              </a:r>
+              <a:endParaRPr lang="zh-CN" altLang="en-US" sz="1200" dirty="0">
+                <a:solidFill>
+                  <a:schemeClr val="accent5">
+                    <a:lumMod val="50000"/>
+                  </a:schemeClr>
+                </a:solidFill>
+                <a:latin typeface="Palatino Linotype" panose="02040502050505030304" pitchFamily="18" charset="0"/>
+              </a:endParaRPr>
+            </a:p>
+          </p:txBody>
+        </p:sp>
+      </p:grpSp>
+      <p:grpSp>
+        <p:nvGrpSpPr>
+          <p:cNvPr id="85" name="组合 84"/>
+          <p:cNvGrpSpPr/>
+          <p:nvPr/>
+        </p:nvGrpSpPr>
+        <p:grpSpPr>
+          <a:xfrm rot="16200000">
+            <a:off x="2538937" y="4310510"/>
+            <a:ext cx="1089006" cy="421421"/>
+            <a:chOff x="1890350" y="2367790"/>
+            <a:chExt cx="1089006" cy="421421"/>
+          </a:xfrm>
+        </p:grpSpPr>
+        <p:sp>
+          <p:nvSpPr>
+            <p:cNvPr id="86" name="下箭头 85"/>
+            <p:cNvSpPr/>
+            <p:nvPr/>
+          </p:nvSpPr>
+          <p:spPr>
+            <a:xfrm rot="16200000">
+              <a:off x="2254879" y="2218336"/>
+              <a:ext cx="421421" cy="720330"/>
+            </a:xfrm>
+            <a:prstGeom prst="downArrow">
+              <a:avLst/>
+            </a:prstGeom>
+            <a:solidFill>
+              <a:schemeClr val="bg1"/>
+            </a:solidFill>
+            <a:ln w="38100">
+              <a:solidFill>
+                <a:schemeClr val="tx1"/>
+              </a:solidFill>
+            </a:ln>
+          </p:spPr>
+          <p:style>
+            <a:lnRef idx="2">
+              <a:schemeClr val="accent1">
+                <a:shade val="50000"/>
+              </a:schemeClr>
+            </a:lnRef>
+            <a:fillRef idx="1">
+              <a:schemeClr val="accent1"/>
+            </a:fillRef>
+            <a:effectRef idx="0">
+              <a:schemeClr val="accent1"/>
+            </a:effectRef>
+            <a:fontRef idx="minor">
+              <a:schemeClr val="lt1"/>
+            </a:fontRef>
+          </p:style>
+          <p:txBody>
+            <a:bodyPr rtlCol="0" anchor="ctr"/>
+            <a:lstStyle/>
+            <a:p>
+              <a:pPr algn="ctr"/>
+              <a:endParaRPr lang="zh-CN" altLang="en-US"/>
+            </a:p>
+          </p:txBody>
+        </p:sp>
+        <p:sp>
+          <p:nvSpPr>
+            <p:cNvPr id="87" name="矩形 86"/>
+            <p:cNvSpPr/>
+            <p:nvPr/>
+          </p:nvSpPr>
+          <p:spPr>
+            <a:xfrm>
+              <a:off x="1890350" y="2422076"/>
+              <a:ext cx="1089006" cy="276999"/>
+            </a:xfrm>
+            <a:prstGeom prst="rect">
+              <a:avLst/>
+            </a:prstGeom>
+          </p:spPr>
+          <p:txBody>
+            <a:bodyPr wrap="square">
+              <a:spAutoFit/>
+            </a:bodyPr>
+            <a:lstStyle/>
+            <a:p>
+              <a:pPr algn="ctr"/>
+              <a:r>
+                <a:rPr lang="en-US" altLang="zh-CN" sz="1200" dirty="0" smtClean="0">
+                  <a:solidFill>
+                    <a:schemeClr val="accent5">
+                      <a:lumMod val="50000"/>
+                    </a:schemeClr>
+                  </a:solidFill>
+                  <a:latin typeface="Palatino Linotype" panose="02040502050505030304" pitchFamily="18" charset="0"/>
+                </a:rPr>
+                <a:t>generate</a:t>
+              </a:r>
+              <a:endParaRPr lang="zh-CN" altLang="en-US" sz="1200" dirty="0">
+                <a:solidFill>
+                  <a:schemeClr val="accent5">
+                    <a:lumMod val="50000"/>
+                  </a:schemeClr>
+                </a:solidFill>
+                <a:latin typeface="Palatino Linotype" panose="02040502050505030304" pitchFamily="18" charset="0"/>
+              </a:endParaRPr>
+            </a:p>
+          </p:txBody>
+        </p:sp>
+      </p:grpSp>
+      <p:grpSp>
+        <p:nvGrpSpPr>
+          <p:cNvPr id="89" name="组合 88"/>
+          <p:cNvGrpSpPr/>
+          <p:nvPr/>
+        </p:nvGrpSpPr>
+        <p:grpSpPr>
+          <a:xfrm rot="19898981">
+            <a:off x="6100551" y="4572305"/>
+            <a:ext cx="1089006" cy="421421"/>
+            <a:chOff x="1890350" y="2367790"/>
+            <a:chExt cx="1089006" cy="421421"/>
+          </a:xfrm>
+        </p:grpSpPr>
+        <p:sp>
+          <p:nvSpPr>
+            <p:cNvPr id="90" name="下箭头 89"/>
+            <p:cNvSpPr/>
+            <p:nvPr/>
+          </p:nvSpPr>
+          <p:spPr>
+            <a:xfrm rot="16200000">
+              <a:off x="2254879" y="2218336"/>
+              <a:ext cx="421421" cy="720330"/>
+            </a:xfrm>
+            <a:prstGeom prst="downArrow">
+              <a:avLst/>
+            </a:prstGeom>
+            <a:solidFill>
+              <a:schemeClr val="bg1"/>
+            </a:solidFill>
+            <a:ln w="38100">
+              <a:solidFill>
+                <a:schemeClr val="tx1"/>
+              </a:solidFill>
+            </a:ln>
+          </p:spPr>
+          <p:style>
+            <a:lnRef idx="2">
+              <a:schemeClr val="accent1">
+                <a:shade val="50000"/>
+              </a:schemeClr>
+            </a:lnRef>
+            <a:fillRef idx="1">
+              <a:schemeClr val="accent1"/>
+            </a:fillRef>
+            <a:effectRef idx="0">
+              <a:schemeClr val="accent1"/>
+            </a:effectRef>
+            <a:fontRef idx="minor">
+              <a:schemeClr val="lt1"/>
+            </a:fontRef>
+          </p:style>
+          <p:txBody>
+            <a:bodyPr rtlCol="0" anchor="ctr"/>
+            <a:lstStyle/>
+            <a:p>
+              <a:pPr algn="ctr"/>
+              <a:endParaRPr lang="zh-CN" altLang="en-US"/>
+            </a:p>
+          </p:txBody>
+        </p:sp>
+        <p:sp>
+          <p:nvSpPr>
+            <p:cNvPr id="91" name="矩形 90"/>
+            <p:cNvSpPr/>
+            <p:nvPr/>
+          </p:nvSpPr>
+          <p:spPr>
+            <a:xfrm>
+              <a:off x="1890350" y="2422076"/>
+              <a:ext cx="1089006" cy="276999"/>
+            </a:xfrm>
+            <a:prstGeom prst="rect">
+              <a:avLst/>
+            </a:prstGeom>
+          </p:spPr>
+          <p:txBody>
+            <a:bodyPr wrap="square">
+              <a:spAutoFit/>
+            </a:bodyPr>
+            <a:lstStyle/>
+            <a:p>
+              <a:pPr algn="ctr"/>
+              <a:r>
+                <a:rPr lang="en-US" altLang="zh-CN" sz="1200" dirty="0" smtClean="0">
+                  <a:solidFill>
+                    <a:schemeClr val="accent5">
+                      <a:lumMod val="50000"/>
+                    </a:schemeClr>
+                  </a:solidFill>
+                  <a:latin typeface="Palatino Linotype" panose="02040502050505030304" pitchFamily="18" charset="0"/>
+                </a:rPr>
+                <a:t>Support</a:t>
+              </a:r>
+              <a:endParaRPr lang="zh-CN" altLang="en-US" sz="1200" dirty="0">
+                <a:solidFill>
+                  <a:schemeClr val="accent5">
+                    <a:lumMod val="50000"/>
+                  </a:schemeClr>
+                </a:solidFill>
+                <a:latin typeface="Palatino Linotype" panose="02040502050505030304" pitchFamily="18" charset="0"/>
+              </a:endParaRPr>
+            </a:p>
+          </p:txBody>
+        </p:sp>
+      </p:grpSp>
+      <p:grpSp>
+        <p:nvGrpSpPr>
+          <p:cNvPr id="92" name="组合 91"/>
+          <p:cNvGrpSpPr/>
+          <p:nvPr/>
+        </p:nvGrpSpPr>
+        <p:grpSpPr>
+          <a:xfrm rot="2075935">
+            <a:off x="6662926" y="3870781"/>
+            <a:ext cx="1089006" cy="421421"/>
+            <a:chOff x="1890350" y="2367790"/>
+            <a:chExt cx="1089006" cy="421421"/>
+          </a:xfrm>
+        </p:grpSpPr>
+        <p:sp>
+          <p:nvSpPr>
+            <p:cNvPr id="93" name="下箭头 92"/>
+            <p:cNvSpPr/>
+            <p:nvPr/>
+          </p:nvSpPr>
+          <p:spPr>
+            <a:xfrm rot="16200000">
+              <a:off x="2254879" y="2218336"/>
+              <a:ext cx="421421" cy="720330"/>
+            </a:xfrm>
+            <a:prstGeom prst="downArrow">
+              <a:avLst/>
+            </a:prstGeom>
+            <a:solidFill>
+              <a:schemeClr val="bg1"/>
+            </a:solidFill>
+            <a:ln w="38100">
+              <a:solidFill>
+                <a:schemeClr val="tx1"/>
+              </a:solidFill>
+            </a:ln>
+          </p:spPr>
+          <p:style>
+            <a:lnRef idx="2">
+              <a:schemeClr val="accent1">
+                <a:shade val="50000"/>
+              </a:schemeClr>
+            </a:lnRef>
+            <a:fillRef idx="1">
+              <a:schemeClr val="accent1"/>
+            </a:fillRef>
+            <a:effectRef idx="0">
+              <a:schemeClr val="accent1"/>
+            </a:effectRef>
+            <a:fontRef idx="minor">
+              <a:schemeClr val="lt1"/>
+            </a:fontRef>
+          </p:style>
+          <p:txBody>
+            <a:bodyPr rtlCol="0" anchor="ctr"/>
+            <a:lstStyle/>
+            <a:p>
+              <a:pPr algn="ctr"/>
+              <a:endParaRPr lang="zh-CN" altLang="en-US"/>
+            </a:p>
+          </p:txBody>
+        </p:sp>
+        <p:sp>
+          <p:nvSpPr>
+            <p:cNvPr id="94" name="矩形 93"/>
+            <p:cNvSpPr/>
+            <p:nvPr/>
+          </p:nvSpPr>
+          <p:spPr>
+            <a:xfrm>
+              <a:off x="1890350" y="2422076"/>
+              <a:ext cx="1089006" cy="276999"/>
+            </a:xfrm>
+            <a:prstGeom prst="rect">
+              <a:avLst/>
+            </a:prstGeom>
+          </p:spPr>
+          <p:txBody>
+            <a:bodyPr wrap="square">
+              <a:spAutoFit/>
+            </a:bodyPr>
+            <a:lstStyle/>
+            <a:p>
+              <a:pPr algn="ctr"/>
+              <a:r>
+                <a:rPr lang="en-US" altLang="zh-CN" sz="1200" dirty="0" smtClean="0">
+                  <a:solidFill>
+                    <a:schemeClr val="accent5">
+                      <a:lumMod val="50000"/>
+                    </a:schemeClr>
+                  </a:solidFill>
+                  <a:latin typeface="Palatino Linotype" panose="02040502050505030304" pitchFamily="18" charset="0"/>
+                </a:rPr>
+                <a:t>Support</a:t>
+              </a:r>
+              <a:endParaRPr lang="zh-CN" altLang="en-US" sz="1200" dirty="0">
+                <a:solidFill>
+                  <a:schemeClr val="accent5">
+                    <a:lumMod val="50000"/>
+                  </a:schemeClr>
+                </a:solidFill>
+                <a:latin typeface="Palatino Linotype" panose="02040502050505030304" pitchFamily="18" charset="0"/>
+              </a:endParaRPr>
+            </a:p>
+          </p:txBody>
+        </p:sp>
+      </p:grpSp>
+      <p:sp>
+        <p:nvSpPr>
+          <p:cNvPr id="100" name="矩形 99"/>
+          <p:cNvSpPr/>
+          <p:nvPr/>
+        </p:nvSpPr>
+        <p:spPr>
+          <a:xfrm>
+            <a:off x="8188235" y="1730409"/>
+            <a:ext cx="3514247" cy="738664"/>
+          </a:xfrm>
+          <a:prstGeom prst="rect">
+            <a:avLst/>
+          </a:prstGeom>
+        </p:spPr>
+        <p:txBody>
+          <a:bodyPr wrap="square">
+            <a:spAutoFit/>
+          </a:bodyPr>
+          <a:lstStyle/>
+          <a:p>
+            <a:pPr algn="just"/>
+            <a:r>
+              <a:rPr lang="en-US" altLang="zh-CN" sz="2000" b="1" dirty="0" smtClean="0">
+                <a:solidFill>
+                  <a:schemeClr val="accent5">
+                    <a:lumMod val="50000"/>
+                  </a:schemeClr>
+                </a:solidFill>
+                <a:latin typeface="Palatino Linotype" panose="02040502050505030304" pitchFamily="18" charset="0"/>
+              </a:rPr>
+              <a:t>Researchers</a:t>
+            </a:r>
+          </a:p>
+          <a:p>
+            <a:pPr algn="just"/>
+            <a:r>
+              <a:rPr lang="en-US" altLang="zh-CN" sz="1100" dirty="0">
+                <a:solidFill>
+                  <a:schemeClr val="accent5">
+                    <a:lumMod val="50000"/>
+                  </a:schemeClr>
+                </a:solidFill>
+                <a:latin typeface="Palatino Linotype" panose="02040502050505030304" pitchFamily="18" charset="0"/>
+              </a:rPr>
+              <a:t>build any warehouse model simply and quickly, and execute it with arbitrary parameters to obtain results</a:t>
+            </a:r>
+            <a:endParaRPr lang="en-US" altLang="zh-CN" sz="1100" dirty="0" smtClean="0">
+              <a:solidFill>
+                <a:schemeClr val="accent5">
+                  <a:lumMod val="50000"/>
+                </a:schemeClr>
+              </a:solidFill>
+              <a:latin typeface="Palatino Linotype" panose="02040502050505030304" pitchFamily="18" charset="0"/>
+            </a:endParaRPr>
+          </a:p>
+        </p:txBody>
+      </p:sp>
+      <p:sp>
+        <p:nvSpPr>
+          <p:cNvPr id="101" name="矩形 100"/>
+          <p:cNvSpPr/>
+          <p:nvPr/>
+        </p:nvSpPr>
+        <p:spPr>
+          <a:xfrm>
+            <a:off x="8055907" y="2726468"/>
+            <a:ext cx="2106423" cy="2769989"/>
+          </a:xfrm>
+          <a:prstGeom prst="rect">
+            <a:avLst/>
+          </a:prstGeom>
+        </p:spPr>
+        <p:txBody>
+          <a:bodyPr wrap="square">
+            <a:spAutoFit/>
+          </a:bodyPr>
+          <a:lstStyle/>
+          <a:p>
+            <a:pPr algn="just"/>
+            <a:r>
+              <a:rPr lang="en-US" altLang="zh-CN" sz="2000" b="1" dirty="0" smtClean="0">
+                <a:solidFill>
+                  <a:schemeClr val="accent5">
+                    <a:lumMod val="50000"/>
+                  </a:schemeClr>
+                </a:solidFill>
+                <a:latin typeface="Palatino Linotype" panose="02040502050505030304" pitchFamily="18" charset="0"/>
+              </a:rPr>
+              <a:t>Epidemiologists</a:t>
+            </a:r>
+            <a:endParaRPr lang="en-US" altLang="zh-CN" sz="2000" b="1" dirty="0" smtClean="0">
+              <a:solidFill>
+                <a:schemeClr val="accent5">
+                  <a:lumMod val="50000"/>
+                </a:schemeClr>
+              </a:solidFill>
+              <a:latin typeface="Palatino Linotype" panose="02040502050505030304" pitchFamily="18" charset="0"/>
+            </a:endParaRPr>
+          </a:p>
+          <a:p>
+            <a:pPr algn="just"/>
+            <a:r>
+              <a:rPr lang="en-US" altLang="zh-CN" sz="1100" dirty="0">
+                <a:solidFill>
+                  <a:schemeClr val="accent5">
+                    <a:lumMod val="50000"/>
+                  </a:schemeClr>
+                </a:solidFill>
+                <a:latin typeface="Palatino Linotype" panose="02040502050505030304" pitchFamily="18" charset="0"/>
+              </a:rPr>
+              <a:t>use the existing mature infectious disease models, make a small amount of expansion according to the actual situation, and then complete the model </a:t>
+            </a:r>
+            <a:r>
+              <a:rPr lang="en-US" altLang="zh-CN" sz="1100" dirty="0" smtClean="0">
+                <a:solidFill>
+                  <a:schemeClr val="accent5">
+                    <a:lumMod val="50000"/>
+                  </a:schemeClr>
+                </a:solidFill>
+                <a:latin typeface="Palatino Linotype" panose="02040502050505030304" pitchFamily="18" charset="0"/>
+              </a:rPr>
+              <a:t>execution</a:t>
+            </a:r>
+          </a:p>
+          <a:p>
+            <a:pPr algn="just"/>
+            <a:endParaRPr lang="en-US" altLang="zh-CN" sz="1100" dirty="0">
+              <a:solidFill>
+                <a:schemeClr val="accent5">
+                  <a:lumMod val="50000"/>
+                </a:schemeClr>
+              </a:solidFill>
+              <a:latin typeface="Palatino Linotype" panose="02040502050505030304" pitchFamily="18" charset="0"/>
+            </a:endParaRPr>
+          </a:p>
+          <a:p>
+            <a:pPr algn="just"/>
+            <a:endParaRPr lang="en-US" altLang="zh-CN" sz="1100" dirty="0" smtClean="0">
+              <a:solidFill>
+                <a:schemeClr val="accent5">
+                  <a:lumMod val="50000"/>
+                </a:schemeClr>
+              </a:solidFill>
+              <a:latin typeface="Palatino Linotype" panose="02040502050505030304" pitchFamily="18" charset="0"/>
+            </a:endParaRPr>
+          </a:p>
+          <a:p>
+            <a:pPr algn="just"/>
+            <a:endParaRPr lang="en-US" altLang="zh-CN" sz="1100" dirty="0">
+              <a:solidFill>
+                <a:schemeClr val="accent5">
+                  <a:lumMod val="50000"/>
+                </a:schemeClr>
+              </a:solidFill>
+              <a:latin typeface="Palatino Linotype" panose="02040502050505030304" pitchFamily="18" charset="0"/>
+            </a:endParaRPr>
+          </a:p>
+          <a:p>
+            <a:pPr algn="just"/>
+            <a:endParaRPr lang="en-US" altLang="zh-CN" sz="1100" dirty="0" smtClean="0">
+              <a:solidFill>
+                <a:schemeClr val="accent5">
+                  <a:lumMod val="50000"/>
+                </a:schemeClr>
+              </a:solidFill>
+              <a:latin typeface="Palatino Linotype" panose="02040502050505030304" pitchFamily="18" charset="0"/>
+            </a:endParaRPr>
+          </a:p>
+          <a:p>
+            <a:pPr algn="just"/>
+            <a:r>
+              <a:rPr lang="en-US" altLang="zh-CN" sz="1100" dirty="0" smtClean="0">
+                <a:solidFill>
+                  <a:schemeClr val="accent5">
+                    <a:lumMod val="50000"/>
+                  </a:schemeClr>
+                </a:solidFill>
+                <a:latin typeface="Palatino Linotype" panose="02040502050505030304" pitchFamily="18" charset="0"/>
+              </a:rPr>
+              <a:t> </a:t>
+            </a:r>
+            <a:r>
+              <a:rPr lang="en-US" altLang="zh-CN" sz="1100" dirty="0">
+                <a:solidFill>
+                  <a:schemeClr val="accent5">
+                    <a:lumMod val="50000"/>
+                  </a:schemeClr>
+                </a:solidFill>
+                <a:latin typeface="Palatino Linotype" panose="02040502050505030304" pitchFamily="18" charset="0"/>
+              </a:rPr>
+              <a:t>by adjusting the no-code method of the configuration file, and obtain the visualization results</a:t>
+            </a:r>
+            <a:endParaRPr lang="en-US" altLang="zh-CN" sz="1100" dirty="0" smtClean="0">
+              <a:solidFill>
+                <a:schemeClr val="accent5">
+                  <a:lumMod val="50000"/>
+                </a:schemeClr>
+              </a:solidFill>
+              <a:latin typeface="Palatino Linotype" panose="02040502050505030304" pitchFamily="18" charset="0"/>
+            </a:endParaRPr>
+          </a:p>
+        </p:txBody>
+      </p:sp>
+      <p:grpSp>
+        <p:nvGrpSpPr>
+          <p:cNvPr id="103" name="组合 102"/>
+          <p:cNvGrpSpPr/>
+          <p:nvPr/>
+        </p:nvGrpSpPr>
+        <p:grpSpPr>
+          <a:xfrm>
+            <a:off x="8663413" y="4189007"/>
+            <a:ext cx="1089006" cy="421421"/>
+            <a:chOff x="1890350" y="2367790"/>
+            <a:chExt cx="1089006" cy="421421"/>
+          </a:xfrm>
+        </p:grpSpPr>
+        <p:sp>
+          <p:nvSpPr>
+            <p:cNvPr id="104" name="下箭头 103"/>
+            <p:cNvSpPr/>
+            <p:nvPr/>
+          </p:nvSpPr>
+          <p:spPr>
+            <a:xfrm rot="16200000">
+              <a:off x="2254879" y="2218336"/>
+              <a:ext cx="421421" cy="720330"/>
+            </a:xfrm>
+            <a:prstGeom prst="downArrow">
+              <a:avLst/>
+            </a:prstGeom>
+            <a:solidFill>
+              <a:schemeClr val="bg1"/>
+            </a:solidFill>
+            <a:ln w="38100">
+              <a:solidFill>
+                <a:schemeClr val="tx1"/>
+              </a:solidFill>
+            </a:ln>
+          </p:spPr>
+          <p:style>
+            <a:lnRef idx="2">
+              <a:schemeClr val="accent1">
+                <a:shade val="50000"/>
+              </a:schemeClr>
+            </a:lnRef>
+            <a:fillRef idx="1">
+              <a:schemeClr val="accent1"/>
+            </a:fillRef>
+            <a:effectRef idx="0">
+              <a:schemeClr val="accent1"/>
+            </a:effectRef>
+            <a:fontRef idx="minor">
+              <a:schemeClr val="lt1"/>
+            </a:fontRef>
+          </p:style>
+          <p:txBody>
+            <a:bodyPr rtlCol="0" anchor="ctr"/>
+            <a:lstStyle/>
+            <a:p>
+              <a:pPr algn="ctr"/>
+              <a:endParaRPr lang="zh-CN" altLang="en-US"/>
+            </a:p>
+          </p:txBody>
+        </p:sp>
+        <p:sp>
+          <p:nvSpPr>
+            <p:cNvPr id="105" name="矩形 104"/>
+            <p:cNvSpPr/>
+            <p:nvPr/>
+          </p:nvSpPr>
+          <p:spPr>
+            <a:xfrm>
+              <a:off x="1890350" y="2422076"/>
+              <a:ext cx="1089006" cy="276999"/>
+            </a:xfrm>
+            <a:prstGeom prst="rect">
+              <a:avLst/>
+            </a:prstGeom>
+          </p:spPr>
+          <p:txBody>
+            <a:bodyPr wrap="square">
+              <a:spAutoFit/>
+            </a:bodyPr>
+            <a:lstStyle/>
+            <a:p>
+              <a:pPr algn="ctr"/>
+              <a:r>
+                <a:rPr lang="en-US" altLang="zh-CN" sz="1200" dirty="0" smtClean="0">
+                  <a:solidFill>
+                    <a:schemeClr val="accent5">
+                      <a:lumMod val="50000"/>
+                    </a:schemeClr>
+                  </a:solidFill>
+                  <a:latin typeface="Palatino Linotype" panose="02040502050505030304" pitchFamily="18" charset="0"/>
+                </a:rPr>
+                <a:t>serve</a:t>
+              </a:r>
+              <a:endParaRPr lang="zh-CN" altLang="en-US" sz="1200" dirty="0">
+                <a:solidFill>
+                  <a:schemeClr val="accent5">
+                    <a:lumMod val="50000"/>
+                  </a:schemeClr>
+                </a:solidFill>
+                <a:latin typeface="Palatino Linotype" panose="02040502050505030304" pitchFamily="18" charset="0"/>
+              </a:endParaRPr>
+            </a:p>
+          </p:txBody>
+        </p:sp>
+      </p:grpSp>
+      <p:sp>
+        <p:nvSpPr>
+          <p:cNvPr id="106" name="矩形 105"/>
+          <p:cNvSpPr/>
+          <p:nvPr/>
+        </p:nvSpPr>
+        <p:spPr>
+          <a:xfrm>
+            <a:off x="8232572" y="5422553"/>
+            <a:ext cx="3255409" cy="907941"/>
+          </a:xfrm>
+          <a:prstGeom prst="rect">
+            <a:avLst/>
+          </a:prstGeom>
+        </p:spPr>
+        <p:txBody>
+          <a:bodyPr wrap="square">
+            <a:spAutoFit/>
+          </a:bodyPr>
+          <a:lstStyle/>
+          <a:p>
+            <a:pPr algn="just"/>
+            <a:r>
+              <a:rPr lang="en-US" altLang="zh-CN" sz="2000" b="1" dirty="0" smtClean="0">
+                <a:solidFill>
+                  <a:schemeClr val="accent5">
+                    <a:lumMod val="50000"/>
+                  </a:schemeClr>
+                </a:solidFill>
+                <a:latin typeface="Palatino Linotype" panose="02040502050505030304" pitchFamily="18" charset="0"/>
+              </a:rPr>
+              <a:t>Educators</a:t>
+            </a:r>
+          </a:p>
+          <a:p>
+            <a:pPr algn="just"/>
+            <a:r>
+              <a:rPr lang="en-US" altLang="zh-CN" sz="1100" dirty="0">
+                <a:solidFill>
+                  <a:schemeClr val="accent5">
+                    <a:lumMod val="50000"/>
+                  </a:schemeClr>
+                </a:solidFill>
+                <a:latin typeface="Palatino Linotype" panose="02040502050505030304" pitchFamily="18" charset="0"/>
+              </a:rPr>
+              <a:t>The construction and improvement of this framework can promote the integration of teaching and scientific research in related majors</a:t>
+            </a:r>
+            <a:endParaRPr lang="en-US" altLang="zh-CN" sz="1100" dirty="0" smtClean="0">
+              <a:solidFill>
+                <a:schemeClr val="accent5">
+                  <a:lumMod val="50000"/>
+                </a:schemeClr>
+              </a:solidFill>
+              <a:latin typeface="Palatino Linotype" panose="02040502050505030304" pitchFamily="18" charset="0"/>
+            </a:endParaRPr>
+          </a:p>
+        </p:txBody>
+      </p:sp>
+      <p:sp>
+        <p:nvSpPr>
+          <p:cNvPr id="109" name="下箭头 108"/>
+          <p:cNvSpPr/>
+          <p:nvPr/>
+        </p:nvSpPr>
+        <p:spPr>
+          <a:xfrm rot="10800000">
+            <a:off x="11066560" y="5062388"/>
+            <a:ext cx="421421" cy="720330"/>
+          </a:xfrm>
+          <a:prstGeom prst="downArrow">
+            <a:avLst/>
+          </a:prstGeom>
+          <a:solidFill>
+            <a:schemeClr val="bg1"/>
+          </a:solidFill>
+          <a:ln w="38100">
+            <a:solidFill>
+              <a:schemeClr val="tx1"/>
+            </a:solidFill>
+          </a:ln>
+        </p:spPr>
+        <p:style>
+          <a:lnRef idx="2">
+            <a:schemeClr val="accent1">
+              <a:shade val="50000"/>
+            </a:schemeClr>
+          </a:lnRef>
+          <a:fillRef idx="1">
+            <a:schemeClr val="accent1"/>
+          </a:fillRef>
+          <a:effectRef idx="0">
+            <a:schemeClr val="accent1"/>
+          </a:effectRef>
+          <a:fontRef idx="minor">
+            <a:schemeClr val="lt1"/>
+          </a:fontRef>
+        </p:style>
+        <p:txBody>
+          <a:bodyPr rtlCol="0" anchor="ctr"/>
+          <a:lstStyle/>
+          <a:p>
+            <a:pPr algn="ctr"/>
+            <a:endParaRPr lang="zh-CN" altLang="en-US"/>
+          </a:p>
+        </p:txBody>
+      </p:sp>
+      <p:sp>
+        <p:nvSpPr>
+          <p:cNvPr id="111" name="下箭头 110"/>
+          <p:cNvSpPr/>
+          <p:nvPr/>
+        </p:nvSpPr>
+        <p:spPr>
+          <a:xfrm>
+            <a:off x="10877901" y="2430402"/>
+            <a:ext cx="421421" cy="720330"/>
+          </a:xfrm>
+          <a:prstGeom prst="downArrow">
+            <a:avLst/>
+          </a:prstGeom>
+          <a:solidFill>
+            <a:schemeClr val="bg1"/>
+          </a:solidFill>
+          <a:ln w="38100">
+            <a:solidFill>
+              <a:schemeClr val="tx1"/>
+            </a:solidFill>
+          </a:ln>
+        </p:spPr>
+        <p:style>
+          <a:lnRef idx="2">
+            <a:schemeClr val="accent1">
+              <a:shade val="50000"/>
+            </a:schemeClr>
+          </a:lnRef>
+          <a:fillRef idx="1">
+            <a:schemeClr val="accent1"/>
+          </a:fillRef>
+          <a:effectRef idx="0">
+            <a:schemeClr val="accent1"/>
+          </a:effectRef>
+          <a:fontRef idx="minor">
+            <a:schemeClr val="lt1"/>
+          </a:fontRef>
+        </p:style>
+        <p:txBody>
+          <a:bodyPr rtlCol="0" anchor="ctr"/>
+          <a:lstStyle/>
+          <a:p>
+            <a:pPr algn="ctr"/>
+            <a:endParaRPr lang="zh-CN" altLang="en-US"/>
+          </a:p>
+        </p:txBody>
+      </p:sp>
+      <p:sp>
+        <p:nvSpPr>
+          <p:cNvPr id="112" name="下箭头 111"/>
+          <p:cNvSpPr/>
+          <p:nvPr/>
+        </p:nvSpPr>
+        <p:spPr>
+          <a:xfrm rot="16200000">
+            <a:off x="9993398" y="3819036"/>
+            <a:ext cx="421421" cy="720330"/>
+          </a:xfrm>
+          <a:prstGeom prst="downArrow">
+            <a:avLst/>
+          </a:prstGeom>
+          <a:solidFill>
+            <a:schemeClr val="bg1"/>
+          </a:solidFill>
+          <a:ln w="38100">
+            <a:solidFill>
+              <a:schemeClr val="tx1"/>
+            </a:solidFill>
+          </a:ln>
+        </p:spPr>
+        <p:style>
+          <a:lnRef idx="2">
+            <a:schemeClr val="accent1">
+              <a:shade val="50000"/>
+            </a:schemeClr>
+          </a:lnRef>
+          <a:fillRef idx="1">
+            <a:schemeClr val="accent1"/>
+          </a:fillRef>
+          <a:effectRef idx="0">
+            <a:schemeClr val="accent1"/>
+          </a:effectRef>
+          <a:fontRef idx="minor">
+            <a:schemeClr val="lt1"/>
+          </a:fontRef>
+        </p:style>
+        <p:txBody>
+          <a:bodyPr rtlCol="0" anchor="ctr"/>
+          <a:lstStyle/>
+          <a:p>
+            <a:pPr algn="ctr"/>
+            <a:endParaRPr lang="zh-CN" altLang="en-US"/>
+          </a:p>
+        </p:txBody>
+      </p:sp>
+      <p:pic>
+        <p:nvPicPr>
+          <p:cNvPr id="1034" name="图片 1033"/>
+          <p:cNvPicPr>
+            <a:picLocks noChangeAspect="1"/>
+          </p:cNvPicPr>
+          <p:nvPr/>
+        </p:nvPicPr>
+        <p:blipFill>
+          <a:blip r:embed="rId11"/>
+          <a:stretch>
+            <a:fillRect/>
+          </a:stretch>
+        </p:blipFill>
+        <p:spPr>
+          <a:xfrm>
+            <a:off x="6160251" y="5826744"/>
+            <a:ext cx="1743075" cy="504825"/>
+          </a:xfrm>
+          <a:prstGeom prst="rect">
+            <a:avLst/>
+          </a:prstGeom>
+        </p:spPr>
+      </p:pic>
+    </p:spTree>
+    <p:extLst>
+      <p:ext uri="{BB962C8B-B14F-4D97-AF65-F5344CB8AC3E}">
+        <p14:creationId xmlns:p14="http://schemas.microsoft.com/office/powerpoint/2010/main" val="3699689180"/>
+      </p:ext>
+    </p:extLst>
+  </p:cSld>
+  <p:clrMapOvr>
+    <a:masterClrMapping/>
+  </p:clrMapOvr>
+  <mc:AlternateContent xmlns:mc="http://schemas.openxmlformats.org/markup-compatibility/2006" xmlns:p14="http://schemas.microsoft.com/office/powerpoint/2010/main">
+    <mc:Choice Requires="p14">
+      <p:transition p14:dur="350" advTm="993">
+        <p:fade/>
+      </p:transition>
+    </mc:Choice>
+    <mc:Fallback xmlns="">
+      <p:transition advTm="993">
+        <p:fade/>
+      </p:transition>
+    </mc:Fallback>
+  </mc:AlternateContent>
+</p:sld>
+</file>
+
+<file path=ppt/slides/slide28.xml><?xml version="1.0" encoding="utf-8"?>
+<p:sld xmlns:a="http://schemas.openxmlformats.org/drawingml/2006/main" xmlns:r="http://schemas.openxmlformats.org/officeDocument/2006/relationships" xmlns:p="http://schemas.openxmlformats.org/presentationml/2006/main">
+  <p:cSld>
+    <p:spTree>
+      <p:nvGrpSpPr>
+        <p:cNvPr id="1" name=""/>
+        <p:cNvGrpSpPr/>
+        <p:nvPr/>
+      </p:nvGrpSpPr>
+      <p:grpSpPr>
+        <a:xfrm>
+          <a:off x="0" y="0"/>
+          <a:ext cx="0" cy="0"/>
+          <a:chOff x="0" y="0"/>
+          <a:chExt cx="0" cy="0"/>
+        </a:xfrm>
+      </p:grpSpPr>
+      <p:sp>
+        <p:nvSpPr>
           <p:cNvPr id="3" name="标题 2">
             <a:extLst>
               <a:ext uri="{FF2B5EF4-FFF2-40B4-BE49-F238E27FC236}">
@@ -29470,7 +32594,7 @@
 </p:sld>
 </file>
 
-<file path=ppt/slides/slide28.xml><?xml version="1.0" encoding="utf-8"?>
+<file path=ppt/slides/slide29.xml><?xml version="1.0" encoding="utf-8"?>
 <p:sld xmlns:a="http://schemas.openxmlformats.org/drawingml/2006/main" xmlns:r="http://schemas.openxmlformats.org/officeDocument/2006/relationships" xmlns:p="http://schemas.openxmlformats.org/presentationml/2006/main">
   <p:cSld>
     <p:spTree>
@@ -29895,7 +33019,7 @@
 </p:sld>
 </file>
 
-<file path=ppt/slides/slide29.xml><?xml version="1.0" encoding="utf-8"?>
+<file path=ppt/slides/slide3.xml><?xml version="1.0" encoding="utf-8"?>
 <p:sld xmlns:a="http://schemas.openxmlformats.org/drawingml/2006/main" xmlns:r="http://schemas.openxmlformats.org/officeDocument/2006/relationships" xmlns:p="http://schemas.openxmlformats.org/presentationml/2006/main">
   <p:cSld>
     <p:spTree>
@@ -29935,6 +33059,545 @@
           <a:p>
             <a:r>
               <a:rPr lang="en-US" altLang="zh-CN" dirty="0" smtClean="0"/>
+              <a:t>Research Purpose</a:t>
+            </a:r>
+            <a:endParaRPr lang="zh-CN" altLang="en-US" dirty="0"/>
+          </a:p>
+        </p:txBody>
+      </p:sp>
+      <p:sp>
+        <p:nvSpPr>
+          <p:cNvPr id="4" name="矩形 3"/>
+          <p:cNvSpPr/>
+          <p:nvPr/>
+        </p:nvSpPr>
+        <p:spPr>
+          <a:xfrm>
+            <a:off x="594360" y="1080039"/>
+            <a:ext cx="11003280" cy="1077218"/>
+          </a:xfrm>
+          <a:prstGeom prst="rect">
+            <a:avLst/>
+          </a:prstGeom>
+        </p:spPr>
+        <p:txBody>
+          <a:bodyPr wrap="square">
+            <a:spAutoFit/>
+          </a:bodyPr>
+          <a:lstStyle/>
+          <a:p>
+            <a:pPr marL="285750" indent="-285750">
+              <a:buFont typeface="Arial" panose="020B0604020202020204" pitchFamily="34" charset="0"/>
+              <a:buChar char="•"/>
+            </a:pPr>
+            <a:r>
+              <a:rPr lang="en-US" altLang="zh-CN" sz="2000" dirty="0" err="1" smtClean="0">
+                <a:solidFill>
+                  <a:schemeClr val="accent5">
+                    <a:lumMod val="50000"/>
+                  </a:schemeClr>
+                </a:solidFill>
+                <a:latin typeface="Palatino Linotype" panose="02040502050505030304" pitchFamily="18" charset="0"/>
+              </a:rPr>
+              <a:t>LibEpidemic</a:t>
+            </a:r>
+            <a:r>
+              <a:rPr lang="en-US" altLang="zh-CN" sz="2000" dirty="0" smtClean="0">
+                <a:solidFill>
+                  <a:schemeClr val="accent5">
+                    <a:lumMod val="50000"/>
+                  </a:schemeClr>
+                </a:solidFill>
+                <a:latin typeface="Palatino Linotype" panose="02040502050505030304" pitchFamily="18" charset="0"/>
+              </a:rPr>
+              <a:t> </a:t>
+            </a:r>
+            <a:r>
+              <a:rPr lang="en-US" altLang="zh-CN" sz="2000" dirty="0">
+                <a:solidFill>
+                  <a:schemeClr val="accent5">
+                    <a:lumMod val="50000"/>
+                  </a:schemeClr>
+                </a:solidFill>
+                <a:latin typeface="Palatino Linotype" panose="02040502050505030304" pitchFamily="18" charset="0"/>
+              </a:rPr>
+              <a:t>is an open source modeling framework, built in python, designed to help </a:t>
+            </a:r>
+            <a:r>
+              <a:rPr lang="en-US" altLang="zh-CN" sz="2400" b="1" dirty="0">
+                <a:solidFill>
+                  <a:srgbClr val="FF0000"/>
+                </a:solidFill>
+                <a:latin typeface="Palatino Linotype" panose="02040502050505030304" pitchFamily="18" charset="0"/>
+              </a:rPr>
+              <a:t>researchers, epidemiologists, teachers, and students</a:t>
+            </a:r>
+            <a:r>
+              <a:rPr lang="en-US" altLang="zh-CN" sz="2000" dirty="0">
+                <a:solidFill>
+                  <a:schemeClr val="accent5">
+                    <a:lumMod val="50000"/>
+                  </a:schemeClr>
+                </a:solidFill>
+                <a:latin typeface="Palatino Linotype" panose="02040502050505030304" pitchFamily="18" charset="0"/>
+              </a:rPr>
+              <a:t> whose research and learn related to infectious disease modeling.</a:t>
+            </a:r>
+            <a:endParaRPr lang="zh-CN" altLang="en-US" sz="2000" dirty="0">
+              <a:solidFill>
+                <a:schemeClr val="accent5">
+                  <a:lumMod val="50000"/>
+                </a:schemeClr>
+              </a:solidFill>
+              <a:latin typeface="Palatino Linotype" panose="02040502050505030304" pitchFamily="18" charset="0"/>
+            </a:endParaRPr>
+          </a:p>
+        </p:txBody>
+      </p:sp>
+      <p:grpSp>
+        <p:nvGrpSpPr>
+          <p:cNvPr id="5" name="组合 4"/>
+          <p:cNvGrpSpPr/>
+          <p:nvPr/>
+        </p:nvGrpSpPr>
+        <p:grpSpPr>
+          <a:xfrm>
+            <a:off x="3002279" y="3007950"/>
+            <a:ext cx="3952240" cy="2570480"/>
+            <a:chOff x="4119879" y="2886602"/>
+            <a:chExt cx="3952240" cy="2570480"/>
+          </a:xfrm>
+        </p:grpSpPr>
+        <p:sp>
+          <p:nvSpPr>
+            <p:cNvPr id="6" name="椭圆 5"/>
+            <p:cNvSpPr/>
+            <p:nvPr/>
+          </p:nvSpPr>
+          <p:spPr>
+            <a:xfrm>
+              <a:off x="4119879" y="2886602"/>
+              <a:ext cx="3952240" cy="2570480"/>
+            </a:xfrm>
+            <a:prstGeom prst="ellipse">
+              <a:avLst/>
+            </a:prstGeom>
+            <a:solidFill>
+              <a:schemeClr val="accent2">
+                <a:lumMod val="20000"/>
+                <a:lumOff val="80000"/>
+              </a:schemeClr>
+            </a:solidFill>
+            <a:ln>
+              <a:noFill/>
+            </a:ln>
+          </p:spPr>
+          <p:style>
+            <a:lnRef idx="2">
+              <a:schemeClr val="accent1">
+                <a:shade val="50000"/>
+              </a:schemeClr>
+            </a:lnRef>
+            <a:fillRef idx="1">
+              <a:schemeClr val="accent1"/>
+            </a:fillRef>
+            <a:effectRef idx="0">
+              <a:schemeClr val="accent1"/>
+            </a:effectRef>
+            <a:fontRef idx="minor">
+              <a:schemeClr val="lt1"/>
+            </a:fontRef>
+          </p:style>
+          <p:txBody>
+            <a:bodyPr rtlCol="0" anchor="ctr"/>
+            <a:lstStyle/>
+            <a:p>
+              <a:pPr algn="ctr"/>
+              <a:endParaRPr lang="zh-CN" altLang="en-US"/>
+            </a:p>
+          </p:txBody>
+        </p:sp>
+        <p:sp>
+          <p:nvSpPr>
+            <p:cNvPr id="7" name="文本框 96">
+              <a:extLst>
+                <a:ext uri="{FF2B5EF4-FFF2-40B4-BE49-F238E27FC236}">
+                  <a16:creationId xmlns:a16="http://schemas.microsoft.com/office/drawing/2014/main" id="{BD3CE1DE-DE67-46D8-A9A8-F7E7935930E1}"/>
+                </a:ext>
+              </a:extLst>
+            </p:cNvPr>
+            <p:cNvSpPr txBox="1"/>
+            <p:nvPr/>
+          </p:nvSpPr>
+          <p:spPr>
+            <a:xfrm>
+              <a:off x="4895760" y="3387012"/>
+              <a:ext cx="2400477" cy="1569660"/>
+            </a:xfrm>
+            <a:prstGeom prst="rect">
+              <a:avLst/>
+            </a:prstGeom>
+            <a:noFill/>
+          </p:spPr>
+          <p:txBody>
+            <a:bodyPr wrap="square" rtlCol="0">
+              <a:spAutoFit/>
+            </a:bodyPr>
+            <a:lstStyle/>
+            <a:p>
+              <a:pPr algn="ctr"/>
+              <a:r>
+                <a:rPr lang="en-US" altLang="zh-CN" sz="2400" b="1" dirty="0" err="1" smtClean="0">
+                  <a:latin typeface="微软雅黑" panose="020B0503020204020204" pitchFamily="34" charset="-122"/>
+                  <a:ea typeface="微软雅黑" panose="020B0503020204020204" pitchFamily="34" charset="-122"/>
+                </a:rPr>
+                <a:t>LibEpidemic</a:t>
+              </a:r>
+              <a:endParaRPr lang="en-US" altLang="zh-CN" b="1" dirty="0">
+                <a:latin typeface="微软雅黑" panose="020B0503020204020204" pitchFamily="34" charset="-122"/>
+                <a:ea typeface="微软雅黑" panose="020B0503020204020204" pitchFamily="34" charset="-122"/>
+              </a:endParaRPr>
+            </a:p>
+            <a:p>
+              <a:pPr algn="ctr"/>
+              <a:r>
+                <a:rPr lang="en-US" altLang="zh-CN" b="1" dirty="0" smtClean="0">
+                  <a:latin typeface="微软雅黑" panose="020B0503020204020204" pitchFamily="34" charset="-122"/>
+                  <a:ea typeface="微软雅黑" panose="020B0503020204020204" pitchFamily="34" charset="-122"/>
+                </a:rPr>
+                <a:t>API</a:t>
+              </a:r>
+            </a:p>
+            <a:p>
+              <a:pPr algn="ctr"/>
+              <a:r>
+                <a:rPr lang="en-US" altLang="zh-CN" b="1" dirty="0" smtClean="0">
+                  <a:latin typeface="微软雅黑" panose="020B0503020204020204" pitchFamily="34" charset="-122"/>
+                  <a:ea typeface="微软雅黑" panose="020B0503020204020204" pitchFamily="34" charset="-122"/>
+                </a:rPr>
+                <a:t>Engine</a:t>
+              </a:r>
+            </a:p>
+            <a:p>
+              <a:pPr algn="ctr"/>
+              <a:r>
+                <a:rPr lang="en-US" altLang="zh-CN" b="1" dirty="0" smtClean="0">
+                  <a:latin typeface="微软雅黑" panose="020B0503020204020204" pitchFamily="34" charset="-122"/>
+                  <a:ea typeface="微软雅黑" panose="020B0503020204020204" pitchFamily="34" charset="-122"/>
+                </a:rPr>
+                <a:t>Models</a:t>
+              </a:r>
+            </a:p>
+            <a:p>
+              <a:pPr algn="ctr"/>
+              <a:r>
+                <a:rPr lang="en-US" altLang="zh-CN" b="1" dirty="0" smtClean="0">
+                  <a:latin typeface="微软雅黑" panose="020B0503020204020204" pitchFamily="34" charset="-122"/>
+                  <a:ea typeface="微软雅黑" panose="020B0503020204020204" pitchFamily="34" charset="-122"/>
+                </a:rPr>
+                <a:t>Application</a:t>
+              </a:r>
+              <a:endParaRPr lang="zh-CN" altLang="en-US" b="1" dirty="0">
+                <a:latin typeface="微软雅黑" panose="020B0503020204020204" pitchFamily="34" charset="-122"/>
+                <a:ea typeface="微软雅黑" panose="020B0503020204020204" pitchFamily="34" charset="-122"/>
+              </a:endParaRPr>
+            </a:p>
+          </p:txBody>
+        </p:sp>
+      </p:grpSp>
+      <p:pic>
+        <p:nvPicPr>
+          <p:cNvPr id="8" name="Picture 2" descr="python™"/>
+          <p:cNvPicPr>
+            <a:picLocks noChangeAspect="1" noChangeArrowheads="1"/>
+          </p:cNvPicPr>
+          <p:nvPr/>
+        </p:nvPicPr>
+        <p:blipFill rotWithShape="1">
+          <a:blip r:embed="rId3">
+            <a:extLst>
+              <a:ext uri="{28A0092B-C50C-407E-A947-70E740481C1C}">
+                <a14:useLocalDpi xmlns:a14="http://schemas.microsoft.com/office/drawing/2010/main" val="0"/>
+              </a:ext>
+            </a:extLst>
+          </a:blip>
+          <a:srcRect r="74736"/>
+          <a:stretch/>
+        </p:blipFill>
+        <p:spPr bwMode="auto">
+          <a:xfrm>
+            <a:off x="594360" y="3317054"/>
+            <a:ext cx="1744345" cy="1952272"/>
+          </a:xfrm>
+          <a:prstGeom prst="rect">
+            <a:avLst/>
+          </a:prstGeom>
+          <a:noFill/>
+          <a:extLst>
+            <a:ext uri="{909E8E84-426E-40DD-AFC4-6F175D3DCCD1}">
+              <a14:hiddenFill xmlns:a14="http://schemas.microsoft.com/office/drawing/2010/main">
+                <a:solidFill>
+                  <a:srgbClr val="FFFFFF"/>
+                </a:solidFill>
+              </a14:hiddenFill>
+            </a:ext>
+          </a:extLst>
+        </p:spPr>
+      </p:pic>
+      <p:grpSp>
+        <p:nvGrpSpPr>
+          <p:cNvPr id="9" name="组合 8"/>
+          <p:cNvGrpSpPr/>
+          <p:nvPr/>
+        </p:nvGrpSpPr>
+        <p:grpSpPr>
+          <a:xfrm>
+            <a:off x="7851773" y="2407462"/>
+            <a:ext cx="3382245" cy="3771455"/>
+            <a:chOff x="7618093" y="2067491"/>
+            <a:chExt cx="3382245" cy="3771455"/>
+          </a:xfrm>
+        </p:grpSpPr>
+        <p:pic>
+          <p:nvPicPr>
+            <p:cNvPr id="10" name="图片 9"/>
+            <p:cNvPicPr>
+              <a:picLocks noChangeAspect="1"/>
+            </p:cNvPicPr>
+            <p:nvPr/>
+          </p:nvPicPr>
+          <p:blipFill rotWithShape="1">
+            <a:blip r:embed="rId4"/>
+            <a:srcRect t="16314"/>
+            <a:stretch/>
+          </p:blipFill>
+          <p:spPr>
+            <a:xfrm>
+              <a:off x="7618093" y="2067491"/>
+              <a:ext cx="3292158" cy="1459337"/>
+            </a:xfrm>
+            <a:prstGeom prst="rect">
+              <a:avLst/>
+            </a:prstGeom>
+          </p:spPr>
+        </p:pic>
+        <p:pic>
+          <p:nvPicPr>
+            <p:cNvPr id="11" name="图片 10"/>
+            <p:cNvPicPr>
+              <a:picLocks noChangeAspect="1"/>
+            </p:cNvPicPr>
+            <p:nvPr/>
+          </p:nvPicPr>
+          <p:blipFill rotWithShape="1">
+            <a:blip r:embed="rId5"/>
+            <a:srcRect b="19361"/>
+            <a:stretch/>
+          </p:blipFill>
+          <p:spPr>
+            <a:xfrm>
+              <a:off x="7618093" y="3508360"/>
+              <a:ext cx="1316904" cy="2262520"/>
+            </a:xfrm>
+            <a:prstGeom prst="rect">
+              <a:avLst/>
+            </a:prstGeom>
+          </p:spPr>
+        </p:pic>
+        <p:pic>
+          <p:nvPicPr>
+            <p:cNvPr id="12" name="图片 11"/>
+            <p:cNvPicPr>
+              <a:picLocks noChangeAspect="1"/>
+            </p:cNvPicPr>
+            <p:nvPr/>
+          </p:nvPicPr>
+          <p:blipFill>
+            <a:blip r:embed="rId6"/>
+            <a:stretch>
+              <a:fillRect/>
+            </a:stretch>
+          </p:blipFill>
+          <p:spPr>
+            <a:xfrm>
+              <a:off x="8934997" y="4096448"/>
+              <a:ext cx="2065341" cy="1742498"/>
+            </a:xfrm>
+            <a:prstGeom prst="rect">
+              <a:avLst/>
+            </a:prstGeom>
+          </p:spPr>
+        </p:pic>
+      </p:grpSp>
+      <p:sp>
+        <p:nvSpPr>
+          <p:cNvPr id="13" name="箭头: 右 96">
+            <a:extLst>
+              <a:ext uri="{FF2B5EF4-FFF2-40B4-BE49-F238E27FC236}">
+                <a16:creationId xmlns:a16="http://schemas.microsoft.com/office/drawing/2014/main" id="{DE8C9297-FE50-4176-B247-2340DC42A131}"/>
+              </a:ext>
+            </a:extLst>
+          </p:cNvPr>
+          <p:cNvSpPr/>
+          <p:nvPr/>
+        </p:nvSpPr>
+        <p:spPr>
+          <a:xfrm>
+            <a:off x="2338705" y="3317054"/>
+            <a:ext cx="516434" cy="1798908"/>
+          </a:xfrm>
+          <a:prstGeom prst="rightArrow">
+            <a:avLst/>
+          </a:prstGeom>
+          <a:solidFill>
+            <a:schemeClr val="accent5"/>
+          </a:solidFill>
+          <a:ln>
+            <a:noFill/>
+          </a:ln>
+        </p:spPr>
+        <p:style>
+          <a:lnRef idx="2">
+            <a:schemeClr val="accent1">
+              <a:shade val="50000"/>
+            </a:schemeClr>
+          </a:lnRef>
+          <a:fillRef idx="1">
+            <a:schemeClr val="accent1"/>
+          </a:fillRef>
+          <a:effectRef idx="0">
+            <a:schemeClr val="accent1"/>
+          </a:effectRef>
+          <a:fontRef idx="minor">
+            <a:schemeClr val="lt1"/>
+          </a:fontRef>
+        </p:style>
+        <p:txBody>
+          <a:bodyPr rtlCol="0" anchor="ctr"/>
+          <a:lstStyle/>
+          <a:p>
+            <a:pPr algn="ctr"/>
+            <a:endParaRPr lang="zh-CN" altLang="en-US"/>
+          </a:p>
+        </p:txBody>
+      </p:sp>
+      <p:sp>
+        <p:nvSpPr>
+          <p:cNvPr id="14" name="箭头: 右 96">
+            <a:extLst>
+              <a:ext uri="{FF2B5EF4-FFF2-40B4-BE49-F238E27FC236}">
+                <a16:creationId xmlns:a16="http://schemas.microsoft.com/office/drawing/2014/main" id="{DE8C9297-FE50-4176-B247-2340DC42A131}"/>
+              </a:ext>
+            </a:extLst>
+          </p:cNvPr>
+          <p:cNvSpPr/>
+          <p:nvPr/>
+        </p:nvSpPr>
+        <p:spPr>
+          <a:xfrm>
+            <a:off x="7167495" y="3317054"/>
+            <a:ext cx="516434" cy="1798908"/>
+          </a:xfrm>
+          <a:prstGeom prst="rightArrow">
+            <a:avLst/>
+          </a:prstGeom>
+          <a:solidFill>
+            <a:schemeClr val="accent5"/>
+          </a:solidFill>
+          <a:ln>
+            <a:noFill/>
+          </a:ln>
+        </p:spPr>
+        <p:style>
+          <a:lnRef idx="2">
+            <a:schemeClr val="accent1">
+              <a:shade val="50000"/>
+            </a:schemeClr>
+          </a:lnRef>
+          <a:fillRef idx="1">
+            <a:schemeClr val="accent1"/>
+          </a:fillRef>
+          <a:effectRef idx="0">
+            <a:schemeClr val="accent1"/>
+          </a:effectRef>
+          <a:fontRef idx="minor">
+            <a:schemeClr val="lt1"/>
+          </a:fontRef>
+        </p:style>
+        <p:txBody>
+          <a:bodyPr rtlCol="0" anchor="ctr"/>
+          <a:lstStyle/>
+          <a:p>
+            <a:pPr algn="ctr"/>
+            <a:endParaRPr lang="zh-CN" altLang="en-US"/>
+          </a:p>
+        </p:txBody>
+      </p:sp>
+    </p:spTree>
+    <p:extLst>
+      <p:ext uri="{BB962C8B-B14F-4D97-AF65-F5344CB8AC3E}">
+        <p14:creationId xmlns:p14="http://schemas.microsoft.com/office/powerpoint/2010/main" val="3491665374"/>
+      </p:ext>
+    </p:extLst>
+  </p:cSld>
+  <p:clrMapOvr>
+    <a:masterClrMapping/>
+  </p:clrMapOvr>
+  <mc:AlternateContent xmlns:mc="http://schemas.openxmlformats.org/markup-compatibility/2006" xmlns:p14="http://schemas.microsoft.com/office/powerpoint/2010/main">
+    <mc:Choice Requires="p14">
+      <p:transition p14:dur="350" advTm="993">
+        <p:fade/>
+      </p:transition>
+    </mc:Choice>
+    <mc:Fallback xmlns="">
+      <p:transition advTm="993">
+        <p:fade/>
+      </p:transition>
+    </mc:Fallback>
+  </mc:AlternateContent>
+</p:sld>
+</file>
+
+<file path=ppt/slides/slide30.xml><?xml version="1.0" encoding="utf-8"?>
+<p:sld xmlns:a="http://schemas.openxmlformats.org/drawingml/2006/main" xmlns:r="http://schemas.openxmlformats.org/officeDocument/2006/relationships" xmlns:p="http://schemas.openxmlformats.org/presentationml/2006/main">
+  <p:cSld>
+    <p:spTree>
+      <p:nvGrpSpPr>
+        <p:cNvPr id="1" name=""/>
+        <p:cNvGrpSpPr/>
+        <p:nvPr/>
+      </p:nvGrpSpPr>
+      <p:grpSpPr>
+        <a:xfrm>
+          <a:off x="0" y="0"/>
+          <a:ext cx="0" cy="0"/>
+          <a:chOff x="0" y="0"/>
+          <a:chExt cx="0" cy="0"/>
+        </a:xfrm>
+      </p:grpSpPr>
+      <p:sp>
+        <p:nvSpPr>
+          <p:cNvPr id="3" name="标题 2">
+            <a:extLst>
+              <a:ext uri="{FF2B5EF4-FFF2-40B4-BE49-F238E27FC236}">
+                <a16:creationId xmlns:a16="http://schemas.microsoft.com/office/drawing/2014/main" id="{C85AA94F-4428-46C6-BD40-593F2392BF4C}"/>
+              </a:ext>
+            </a:extLst>
+          </p:cNvPr>
+          <p:cNvSpPr>
+            <a:spLocks noGrp="1"/>
+          </p:cNvSpPr>
+          <p:nvPr>
+            <p:ph type="title"/>
+          </p:nvPr>
+        </p:nvSpPr>
+        <p:spPr/>
+        <p:txBody>
+          <a:bodyPr/>
+          <a:lstStyle/>
+          <a:p>
+            <a:r>
+              <a:rPr lang="en-US" altLang="zh-CN" dirty="0" smtClean="0"/>
               <a:t>Base Model </a:t>
             </a:r>
             <a:r>
@@ -29943,11 +33606,7 @@
             </a:r>
             <a:r>
               <a:rPr lang="en-US" altLang="zh-CN" dirty="0" smtClean="0"/>
-              <a:t> </a:t>
-            </a:r>
-            <a:r>
-              <a:rPr lang="en-US" altLang="zh-CN" dirty="0" smtClean="0"/>
-              <a:t>SEIR-class (2)</a:t>
+              <a:t> SEIR-class (2)</a:t>
             </a:r>
             <a:endParaRPr lang="zh-CN" altLang="en-US" dirty="0"/>
           </a:p>
@@ -30727,7 +34386,7 @@
 </p:sld>
 </file>
 
-<file path=ppt/slides/slide3.xml><?xml version="1.0" encoding="utf-8"?>
+<file path=ppt/slides/slide31.xml><?xml version="1.0" encoding="utf-8"?>
 <p:sld xmlns:a="http://schemas.openxmlformats.org/drawingml/2006/main" xmlns:r="http://schemas.openxmlformats.org/officeDocument/2006/relationships" xmlns:p="http://schemas.openxmlformats.org/presentationml/2006/main">
   <p:cSld>
     <p:spTree>
@@ -30767,545 +34426,6 @@
           <a:p>
             <a:r>
               <a:rPr lang="en-US" altLang="zh-CN" dirty="0" smtClean="0"/>
-              <a:t>Research Purpose</a:t>
-            </a:r>
-            <a:endParaRPr lang="zh-CN" altLang="en-US" dirty="0"/>
-          </a:p>
-        </p:txBody>
-      </p:sp>
-      <p:sp>
-        <p:nvSpPr>
-          <p:cNvPr id="4" name="矩形 3"/>
-          <p:cNvSpPr/>
-          <p:nvPr/>
-        </p:nvSpPr>
-        <p:spPr>
-          <a:xfrm>
-            <a:off x="594360" y="1080039"/>
-            <a:ext cx="11003280" cy="1077218"/>
-          </a:xfrm>
-          <a:prstGeom prst="rect">
-            <a:avLst/>
-          </a:prstGeom>
-        </p:spPr>
-        <p:txBody>
-          <a:bodyPr wrap="square">
-            <a:spAutoFit/>
-          </a:bodyPr>
-          <a:lstStyle/>
-          <a:p>
-            <a:pPr marL="285750" indent="-285750">
-              <a:buFont typeface="Arial" panose="020B0604020202020204" pitchFamily="34" charset="0"/>
-              <a:buChar char="•"/>
-            </a:pPr>
-            <a:r>
-              <a:rPr lang="en-US" altLang="zh-CN" sz="2000" dirty="0" err="1" smtClean="0">
-                <a:solidFill>
-                  <a:schemeClr val="accent5">
-                    <a:lumMod val="50000"/>
-                  </a:schemeClr>
-                </a:solidFill>
-                <a:latin typeface="Palatino Linotype" panose="02040502050505030304" pitchFamily="18" charset="0"/>
-              </a:rPr>
-              <a:t>LibEpidemic</a:t>
-            </a:r>
-            <a:r>
-              <a:rPr lang="en-US" altLang="zh-CN" sz="2000" dirty="0" smtClean="0">
-                <a:solidFill>
-                  <a:schemeClr val="accent5">
-                    <a:lumMod val="50000"/>
-                  </a:schemeClr>
-                </a:solidFill>
-                <a:latin typeface="Palatino Linotype" panose="02040502050505030304" pitchFamily="18" charset="0"/>
-              </a:rPr>
-              <a:t> </a:t>
-            </a:r>
-            <a:r>
-              <a:rPr lang="en-US" altLang="zh-CN" sz="2000" dirty="0">
-                <a:solidFill>
-                  <a:schemeClr val="accent5">
-                    <a:lumMod val="50000"/>
-                  </a:schemeClr>
-                </a:solidFill>
-                <a:latin typeface="Palatino Linotype" panose="02040502050505030304" pitchFamily="18" charset="0"/>
-              </a:rPr>
-              <a:t>is an open source modeling framework, built in python, designed to help </a:t>
-            </a:r>
-            <a:r>
-              <a:rPr lang="en-US" altLang="zh-CN" sz="2400" b="1" dirty="0">
-                <a:solidFill>
-                  <a:srgbClr val="FF0000"/>
-                </a:solidFill>
-                <a:latin typeface="Palatino Linotype" panose="02040502050505030304" pitchFamily="18" charset="0"/>
-              </a:rPr>
-              <a:t>researchers, epidemiologists, teachers, and students</a:t>
-            </a:r>
-            <a:r>
-              <a:rPr lang="en-US" altLang="zh-CN" sz="2000" dirty="0">
-                <a:solidFill>
-                  <a:schemeClr val="accent5">
-                    <a:lumMod val="50000"/>
-                  </a:schemeClr>
-                </a:solidFill>
-                <a:latin typeface="Palatino Linotype" panose="02040502050505030304" pitchFamily="18" charset="0"/>
-              </a:rPr>
-              <a:t> whose research and learn related to infectious disease modeling.</a:t>
-            </a:r>
-            <a:endParaRPr lang="zh-CN" altLang="en-US" sz="2000" dirty="0">
-              <a:solidFill>
-                <a:schemeClr val="accent5">
-                  <a:lumMod val="50000"/>
-                </a:schemeClr>
-              </a:solidFill>
-              <a:latin typeface="Palatino Linotype" panose="02040502050505030304" pitchFamily="18" charset="0"/>
-            </a:endParaRPr>
-          </a:p>
-        </p:txBody>
-      </p:sp>
-      <p:grpSp>
-        <p:nvGrpSpPr>
-          <p:cNvPr id="5" name="组合 4"/>
-          <p:cNvGrpSpPr/>
-          <p:nvPr/>
-        </p:nvGrpSpPr>
-        <p:grpSpPr>
-          <a:xfrm>
-            <a:off x="3002279" y="3007950"/>
-            <a:ext cx="3952240" cy="2570480"/>
-            <a:chOff x="4119879" y="2886602"/>
-            <a:chExt cx="3952240" cy="2570480"/>
-          </a:xfrm>
-        </p:grpSpPr>
-        <p:sp>
-          <p:nvSpPr>
-            <p:cNvPr id="6" name="椭圆 5"/>
-            <p:cNvSpPr/>
-            <p:nvPr/>
-          </p:nvSpPr>
-          <p:spPr>
-            <a:xfrm>
-              <a:off x="4119879" y="2886602"/>
-              <a:ext cx="3952240" cy="2570480"/>
-            </a:xfrm>
-            <a:prstGeom prst="ellipse">
-              <a:avLst/>
-            </a:prstGeom>
-            <a:solidFill>
-              <a:schemeClr val="accent2">
-                <a:lumMod val="20000"/>
-                <a:lumOff val="80000"/>
-              </a:schemeClr>
-            </a:solidFill>
-            <a:ln>
-              <a:noFill/>
-            </a:ln>
-          </p:spPr>
-          <p:style>
-            <a:lnRef idx="2">
-              <a:schemeClr val="accent1">
-                <a:shade val="50000"/>
-              </a:schemeClr>
-            </a:lnRef>
-            <a:fillRef idx="1">
-              <a:schemeClr val="accent1"/>
-            </a:fillRef>
-            <a:effectRef idx="0">
-              <a:schemeClr val="accent1"/>
-            </a:effectRef>
-            <a:fontRef idx="minor">
-              <a:schemeClr val="lt1"/>
-            </a:fontRef>
-          </p:style>
-          <p:txBody>
-            <a:bodyPr rtlCol="0" anchor="ctr"/>
-            <a:lstStyle/>
-            <a:p>
-              <a:pPr algn="ctr"/>
-              <a:endParaRPr lang="zh-CN" altLang="en-US"/>
-            </a:p>
-          </p:txBody>
-        </p:sp>
-        <p:sp>
-          <p:nvSpPr>
-            <p:cNvPr id="7" name="文本框 96">
-              <a:extLst>
-                <a:ext uri="{FF2B5EF4-FFF2-40B4-BE49-F238E27FC236}">
-                  <a16:creationId xmlns:a16="http://schemas.microsoft.com/office/drawing/2014/main" id="{BD3CE1DE-DE67-46D8-A9A8-F7E7935930E1}"/>
-                </a:ext>
-              </a:extLst>
-            </p:cNvPr>
-            <p:cNvSpPr txBox="1"/>
-            <p:nvPr/>
-          </p:nvSpPr>
-          <p:spPr>
-            <a:xfrm>
-              <a:off x="4895760" y="3387012"/>
-              <a:ext cx="2400477" cy="1569660"/>
-            </a:xfrm>
-            <a:prstGeom prst="rect">
-              <a:avLst/>
-            </a:prstGeom>
-            <a:noFill/>
-          </p:spPr>
-          <p:txBody>
-            <a:bodyPr wrap="square" rtlCol="0">
-              <a:spAutoFit/>
-            </a:bodyPr>
-            <a:lstStyle/>
-            <a:p>
-              <a:pPr algn="ctr"/>
-              <a:r>
-                <a:rPr lang="en-US" altLang="zh-CN" sz="2400" b="1" dirty="0" err="1" smtClean="0">
-                  <a:latin typeface="微软雅黑" panose="020B0503020204020204" pitchFamily="34" charset="-122"/>
-                  <a:ea typeface="微软雅黑" panose="020B0503020204020204" pitchFamily="34" charset="-122"/>
-                </a:rPr>
-                <a:t>LibEpidemic</a:t>
-              </a:r>
-              <a:endParaRPr lang="en-US" altLang="zh-CN" b="1" dirty="0">
-                <a:latin typeface="微软雅黑" panose="020B0503020204020204" pitchFamily="34" charset="-122"/>
-                <a:ea typeface="微软雅黑" panose="020B0503020204020204" pitchFamily="34" charset="-122"/>
-              </a:endParaRPr>
-            </a:p>
-            <a:p>
-              <a:pPr algn="ctr"/>
-              <a:r>
-                <a:rPr lang="en-US" altLang="zh-CN" b="1" dirty="0" smtClean="0">
-                  <a:latin typeface="微软雅黑" panose="020B0503020204020204" pitchFamily="34" charset="-122"/>
-                  <a:ea typeface="微软雅黑" panose="020B0503020204020204" pitchFamily="34" charset="-122"/>
-                </a:rPr>
-                <a:t>API</a:t>
-              </a:r>
-            </a:p>
-            <a:p>
-              <a:pPr algn="ctr"/>
-              <a:r>
-                <a:rPr lang="en-US" altLang="zh-CN" b="1" dirty="0" smtClean="0">
-                  <a:latin typeface="微软雅黑" panose="020B0503020204020204" pitchFamily="34" charset="-122"/>
-                  <a:ea typeface="微软雅黑" panose="020B0503020204020204" pitchFamily="34" charset="-122"/>
-                </a:rPr>
-                <a:t>Engine</a:t>
-              </a:r>
-            </a:p>
-            <a:p>
-              <a:pPr algn="ctr"/>
-              <a:r>
-                <a:rPr lang="en-US" altLang="zh-CN" b="1" dirty="0" smtClean="0">
-                  <a:latin typeface="微软雅黑" panose="020B0503020204020204" pitchFamily="34" charset="-122"/>
-                  <a:ea typeface="微软雅黑" panose="020B0503020204020204" pitchFamily="34" charset="-122"/>
-                </a:rPr>
-                <a:t>Models</a:t>
-              </a:r>
-            </a:p>
-            <a:p>
-              <a:pPr algn="ctr"/>
-              <a:r>
-                <a:rPr lang="en-US" altLang="zh-CN" b="1" dirty="0" smtClean="0">
-                  <a:latin typeface="微软雅黑" panose="020B0503020204020204" pitchFamily="34" charset="-122"/>
-                  <a:ea typeface="微软雅黑" panose="020B0503020204020204" pitchFamily="34" charset="-122"/>
-                </a:rPr>
-                <a:t>Application</a:t>
-              </a:r>
-              <a:endParaRPr lang="zh-CN" altLang="en-US" b="1" dirty="0">
-                <a:latin typeface="微软雅黑" panose="020B0503020204020204" pitchFamily="34" charset="-122"/>
-                <a:ea typeface="微软雅黑" panose="020B0503020204020204" pitchFamily="34" charset="-122"/>
-              </a:endParaRPr>
-            </a:p>
-          </p:txBody>
-        </p:sp>
-      </p:grpSp>
-      <p:pic>
-        <p:nvPicPr>
-          <p:cNvPr id="8" name="Picture 2" descr="python™"/>
-          <p:cNvPicPr>
-            <a:picLocks noChangeAspect="1" noChangeArrowheads="1"/>
-          </p:cNvPicPr>
-          <p:nvPr/>
-        </p:nvPicPr>
-        <p:blipFill rotWithShape="1">
-          <a:blip r:embed="rId3">
-            <a:extLst>
-              <a:ext uri="{28A0092B-C50C-407E-A947-70E740481C1C}">
-                <a14:useLocalDpi xmlns:a14="http://schemas.microsoft.com/office/drawing/2010/main" val="0"/>
-              </a:ext>
-            </a:extLst>
-          </a:blip>
-          <a:srcRect r="74736"/>
-          <a:stretch/>
-        </p:blipFill>
-        <p:spPr bwMode="auto">
-          <a:xfrm>
-            <a:off x="594360" y="3317054"/>
-            <a:ext cx="1744345" cy="1952272"/>
-          </a:xfrm>
-          <a:prstGeom prst="rect">
-            <a:avLst/>
-          </a:prstGeom>
-          <a:noFill/>
-          <a:extLst>
-            <a:ext uri="{909E8E84-426E-40DD-AFC4-6F175D3DCCD1}">
-              <a14:hiddenFill xmlns:a14="http://schemas.microsoft.com/office/drawing/2010/main">
-                <a:solidFill>
-                  <a:srgbClr val="FFFFFF"/>
-                </a:solidFill>
-              </a14:hiddenFill>
-            </a:ext>
-          </a:extLst>
-        </p:spPr>
-      </p:pic>
-      <p:grpSp>
-        <p:nvGrpSpPr>
-          <p:cNvPr id="9" name="组合 8"/>
-          <p:cNvGrpSpPr/>
-          <p:nvPr/>
-        </p:nvGrpSpPr>
-        <p:grpSpPr>
-          <a:xfrm>
-            <a:off x="7851773" y="2407462"/>
-            <a:ext cx="3382245" cy="3771455"/>
-            <a:chOff x="7618093" y="2067491"/>
-            <a:chExt cx="3382245" cy="3771455"/>
-          </a:xfrm>
-        </p:grpSpPr>
-        <p:pic>
-          <p:nvPicPr>
-            <p:cNvPr id="10" name="图片 9"/>
-            <p:cNvPicPr>
-              <a:picLocks noChangeAspect="1"/>
-            </p:cNvPicPr>
-            <p:nvPr/>
-          </p:nvPicPr>
-          <p:blipFill rotWithShape="1">
-            <a:blip r:embed="rId4"/>
-            <a:srcRect t="16314"/>
-            <a:stretch/>
-          </p:blipFill>
-          <p:spPr>
-            <a:xfrm>
-              <a:off x="7618093" y="2067491"/>
-              <a:ext cx="3292158" cy="1459337"/>
-            </a:xfrm>
-            <a:prstGeom prst="rect">
-              <a:avLst/>
-            </a:prstGeom>
-          </p:spPr>
-        </p:pic>
-        <p:pic>
-          <p:nvPicPr>
-            <p:cNvPr id="11" name="图片 10"/>
-            <p:cNvPicPr>
-              <a:picLocks noChangeAspect="1"/>
-            </p:cNvPicPr>
-            <p:nvPr/>
-          </p:nvPicPr>
-          <p:blipFill rotWithShape="1">
-            <a:blip r:embed="rId5"/>
-            <a:srcRect b="19361"/>
-            <a:stretch/>
-          </p:blipFill>
-          <p:spPr>
-            <a:xfrm>
-              <a:off x="7618093" y="3508360"/>
-              <a:ext cx="1316904" cy="2262520"/>
-            </a:xfrm>
-            <a:prstGeom prst="rect">
-              <a:avLst/>
-            </a:prstGeom>
-          </p:spPr>
-        </p:pic>
-        <p:pic>
-          <p:nvPicPr>
-            <p:cNvPr id="12" name="图片 11"/>
-            <p:cNvPicPr>
-              <a:picLocks noChangeAspect="1"/>
-            </p:cNvPicPr>
-            <p:nvPr/>
-          </p:nvPicPr>
-          <p:blipFill>
-            <a:blip r:embed="rId6"/>
-            <a:stretch>
-              <a:fillRect/>
-            </a:stretch>
-          </p:blipFill>
-          <p:spPr>
-            <a:xfrm>
-              <a:off x="8934997" y="4096448"/>
-              <a:ext cx="2065341" cy="1742498"/>
-            </a:xfrm>
-            <a:prstGeom prst="rect">
-              <a:avLst/>
-            </a:prstGeom>
-          </p:spPr>
-        </p:pic>
-      </p:grpSp>
-      <p:sp>
-        <p:nvSpPr>
-          <p:cNvPr id="13" name="箭头: 右 96">
-            <a:extLst>
-              <a:ext uri="{FF2B5EF4-FFF2-40B4-BE49-F238E27FC236}">
-                <a16:creationId xmlns:a16="http://schemas.microsoft.com/office/drawing/2014/main" id="{DE8C9297-FE50-4176-B247-2340DC42A131}"/>
-              </a:ext>
-            </a:extLst>
-          </p:cNvPr>
-          <p:cNvSpPr/>
-          <p:nvPr/>
-        </p:nvSpPr>
-        <p:spPr>
-          <a:xfrm>
-            <a:off x="2338705" y="3317054"/>
-            <a:ext cx="516434" cy="1798908"/>
-          </a:xfrm>
-          <a:prstGeom prst="rightArrow">
-            <a:avLst/>
-          </a:prstGeom>
-          <a:solidFill>
-            <a:schemeClr val="accent5"/>
-          </a:solidFill>
-          <a:ln>
-            <a:noFill/>
-          </a:ln>
-        </p:spPr>
-        <p:style>
-          <a:lnRef idx="2">
-            <a:schemeClr val="accent1">
-              <a:shade val="50000"/>
-            </a:schemeClr>
-          </a:lnRef>
-          <a:fillRef idx="1">
-            <a:schemeClr val="accent1"/>
-          </a:fillRef>
-          <a:effectRef idx="0">
-            <a:schemeClr val="accent1"/>
-          </a:effectRef>
-          <a:fontRef idx="minor">
-            <a:schemeClr val="lt1"/>
-          </a:fontRef>
-        </p:style>
-        <p:txBody>
-          <a:bodyPr rtlCol="0" anchor="ctr"/>
-          <a:lstStyle/>
-          <a:p>
-            <a:pPr algn="ctr"/>
-            <a:endParaRPr lang="zh-CN" altLang="en-US"/>
-          </a:p>
-        </p:txBody>
-      </p:sp>
-      <p:sp>
-        <p:nvSpPr>
-          <p:cNvPr id="14" name="箭头: 右 96">
-            <a:extLst>
-              <a:ext uri="{FF2B5EF4-FFF2-40B4-BE49-F238E27FC236}">
-                <a16:creationId xmlns:a16="http://schemas.microsoft.com/office/drawing/2014/main" id="{DE8C9297-FE50-4176-B247-2340DC42A131}"/>
-              </a:ext>
-            </a:extLst>
-          </p:cNvPr>
-          <p:cNvSpPr/>
-          <p:nvPr/>
-        </p:nvSpPr>
-        <p:spPr>
-          <a:xfrm>
-            <a:off x="7167495" y="3317054"/>
-            <a:ext cx="516434" cy="1798908"/>
-          </a:xfrm>
-          <a:prstGeom prst="rightArrow">
-            <a:avLst/>
-          </a:prstGeom>
-          <a:solidFill>
-            <a:schemeClr val="accent5"/>
-          </a:solidFill>
-          <a:ln>
-            <a:noFill/>
-          </a:ln>
-        </p:spPr>
-        <p:style>
-          <a:lnRef idx="2">
-            <a:schemeClr val="accent1">
-              <a:shade val="50000"/>
-            </a:schemeClr>
-          </a:lnRef>
-          <a:fillRef idx="1">
-            <a:schemeClr val="accent1"/>
-          </a:fillRef>
-          <a:effectRef idx="0">
-            <a:schemeClr val="accent1"/>
-          </a:effectRef>
-          <a:fontRef idx="minor">
-            <a:schemeClr val="lt1"/>
-          </a:fontRef>
-        </p:style>
-        <p:txBody>
-          <a:bodyPr rtlCol="0" anchor="ctr"/>
-          <a:lstStyle/>
-          <a:p>
-            <a:pPr algn="ctr"/>
-            <a:endParaRPr lang="zh-CN" altLang="en-US"/>
-          </a:p>
-        </p:txBody>
-      </p:sp>
-    </p:spTree>
-    <p:extLst>
-      <p:ext uri="{BB962C8B-B14F-4D97-AF65-F5344CB8AC3E}">
-        <p14:creationId xmlns:p14="http://schemas.microsoft.com/office/powerpoint/2010/main" val="3491665374"/>
-      </p:ext>
-    </p:extLst>
-  </p:cSld>
-  <p:clrMapOvr>
-    <a:masterClrMapping/>
-  </p:clrMapOvr>
-  <mc:AlternateContent xmlns:mc="http://schemas.openxmlformats.org/markup-compatibility/2006" xmlns:p14="http://schemas.microsoft.com/office/powerpoint/2010/main">
-    <mc:Choice Requires="p14">
-      <p:transition p14:dur="350" advTm="993">
-        <p:fade/>
-      </p:transition>
-    </mc:Choice>
-    <mc:Fallback xmlns="">
-      <p:transition advTm="993">
-        <p:fade/>
-      </p:transition>
-    </mc:Fallback>
-  </mc:AlternateContent>
-</p:sld>
-</file>
-
-<file path=ppt/slides/slide30.xml><?xml version="1.0" encoding="utf-8"?>
-<p:sld xmlns:a="http://schemas.openxmlformats.org/drawingml/2006/main" xmlns:r="http://schemas.openxmlformats.org/officeDocument/2006/relationships" xmlns:p="http://schemas.openxmlformats.org/presentationml/2006/main">
-  <p:cSld>
-    <p:spTree>
-      <p:nvGrpSpPr>
-        <p:cNvPr id="1" name=""/>
-        <p:cNvGrpSpPr/>
-        <p:nvPr/>
-      </p:nvGrpSpPr>
-      <p:grpSpPr>
-        <a:xfrm>
-          <a:off x="0" y="0"/>
-          <a:ext cx="0" cy="0"/>
-          <a:chOff x="0" y="0"/>
-          <a:chExt cx="0" cy="0"/>
-        </a:xfrm>
-      </p:grpSpPr>
-      <p:sp>
-        <p:nvSpPr>
-          <p:cNvPr id="3" name="标题 2">
-            <a:extLst>
-              <a:ext uri="{FF2B5EF4-FFF2-40B4-BE49-F238E27FC236}">
-                <a16:creationId xmlns:a16="http://schemas.microsoft.com/office/drawing/2014/main" id="{C85AA94F-4428-46C6-BD40-593F2392BF4C}"/>
-              </a:ext>
-            </a:extLst>
-          </p:cNvPr>
-          <p:cNvSpPr>
-            <a:spLocks noGrp="1"/>
-          </p:cNvSpPr>
-          <p:nvPr>
-            <p:ph type="title"/>
-          </p:nvPr>
-        </p:nvSpPr>
-        <p:spPr/>
-        <p:txBody>
-          <a:bodyPr/>
-          <a:lstStyle/>
-          <a:p>
-            <a:r>
-              <a:rPr lang="en-US" altLang="zh-CN" dirty="0" smtClean="0"/>
               <a:t>Base Model </a:t>
             </a:r>
             <a:r>
@@ -31314,11 +34434,7 @@
             </a:r>
             <a:r>
               <a:rPr lang="en-US" altLang="zh-CN" dirty="0" smtClean="0"/>
-              <a:t> </a:t>
-            </a:r>
-            <a:r>
-              <a:rPr lang="en-US" altLang="zh-CN" dirty="0" smtClean="0"/>
-              <a:t>SEIR-class (3)</a:t>
+              <a:t> SEIR-class (3)</a:t>
             </a:r>
             <a:endParaRPr lang="zh-CN" altLang="en-US" dirty="0"/>
           </a:p>
@@ -31468,14 +34584,6 @@
               </a:rPr>
               <a:t>through the given loss function in each stage.</a:t>
             </a:r>
-            <a:endParaRPr lang="en-US" altLang="zh-CN" sz="2000" dirty="0">
-              <a:solidFill>
-                <a:schemeClr val="accent5">
-                  <a:lumMod val="50000"/>
-                </a:schemeClr>
-              </a:solidFill>
-              <a:latin typeface="Palatino Linotype" panose="02040502050505030304" pitchFamily="18" charset="0"/>
-            </a:endParaRPr>
           </a:p>
         </p:txBody>
       </p:sp>
@@ -31606,18 +34714,7 @@
                 </a:solidFill>
                 <a:latin typeface="Palatino Linotype" panose="02040502050505030304" pitchFamily="18" charset="0"/>
               </a:rPr>
-              <a:t>Model </a:t>
-            </a:r>
-            <a:r>
-              <a:rPr lang="en-US" altLang="zh-CN" sz="2000" dirty="0" smtClean="0">
-                <a:solidFill>
-                  <a:schemeClr val="accent5">
-                    <a:lumMod val="50000"/>
-                  </a:schemeClr>
-                </a:solidFill>
-                <a:latin typeface="Palatino Linotype" panose="02040502050505030304" pitchFamily="18" charset="0"/>
-              </a:rPr>
-              <a:t>Library</a:t>
+              <a:t>Model Library</a:t>
             </a:r>
             <a:endParaRPr lang="en-US" altLang="zh-CN" sz="2000" dirty="0">
               <a:solidFill>
@@ -32078,7 +35175,7 @@
 </p:sld>
 </file>
 
-<file path=ppt/slides/slide31.xml><?xml version="1.0" encoding="utf-8"?>
+<file path=ppt/slides/slide32.xml><?xml version="1.0" encoding="utf-8"?>
 <p:sld xmlns:a="http://schemas.openxmlformats.org/drawingml/2006/main" xmlns:r="http://schemas.openxmlformats.org/officeDocument/2006/relationships" xmlns:p="http://schemas.openxmlformats.org/presentationml/2006/main">
   <p:cSld>
     <p:spTree>
@@ -32126,11 +35223,7 @@
             </a:r>
             <a:r>
               <a:rPr lang="en-US" altLang="zh-CN" dirty="0" smtClean="0"/>
-              <a:t> </a:t>
-            </a:r>
-            <a:r>
-              <a:rPr lang="en-US" altLang="zh-CN" dirty="0" smtClean="0"/>
-              <a:t>SEIR-class (3)</a:t>
+              <a:t> SEIR-class (3)</a:t>
             </a:r>
             <a:endParaRPr lang="zh-CN" altLang="en-US" dirty="0"/>
           </a:p>
@@ -32365,18 +35458,7 @@
                 </a:solidFill>
                 <a:latin typeface="Palatino Linotype" panose="02040502050505030304" pitchFamily="18" charset="0"/>
               </a:rPr>
-              <a:t>Model </a:t>
-            </a:r>
-            <a:r>
-              <a:rPr lang="en-US" altLang="zh-CN" sz="2000" dirty="0" smtClean="0">
-                <a:solidFill>
-                  <a:schemeClr val="accent5">
-                    <a:lumMod val="50000"/>
-                  </a:schemeClr>
-                </a:solidFill>
-                <a:latin typeface="Palatino Linotype" panose="02040502050505030304" pitchFamily="18" charset="0"/>
-              </a:rPr>
-              <a:t>Library</a:t>
+              <a:t>Model Library</a:t>
             </a:r>
             <a:endParaRPr lang="en-US" altLang="zh-CN" sz="2000" dirty="0">
               <a:solidFill>
@@ -32837,7 +35919,7 @@
 </p:sld>
 </file>
 
-<file path=ppt/slides/slide32.xml><?xml version="1.0" encoding="utf-8"?>
+<file path=ppt/slides/slide33.xml><?xml version="1.0" encoding="utf-8"?>
 <p:sld xmlns:a="http://schemas.openxmlformats.org/drawingml/2006/main" xmlns:r="http://schemas.openxmlformats.org/officeDocument/2006/relationships" xmlns:p="http://schemas.openxmlformats.org/presentationml/2006/main">
   <p:cSld>
     <p:spTree>
@@ -32877,11 +35959,7 @@
           <a:p>
             <a:r>
               <a:rPr lang="en-US" altLang="zh-CN" dirty="0" smtClean="0"/>
-              <a:t>Base Model </a:t>
-            </a:r>
-            <a:r>
-              <a:rPr lang="en-US" altLang="zh-CN" dirty="0" smtClean="0"/>
-              <a:t>– </a:t>
+              <a:t>Base Model – </a:t>
             </a:r>
             <a:r>
               <a:rPr lang="en-US" altLang="zh-CN" dirty="0" err="1" smtClean="0"/>
@@ -34344,81 +37422,6 @@
 </p:sld>
 </file>
 
-<file path=ppt/slides/slide33.xml><?xml version="1.0" encoding="utf-8"?>
-<p:sld xmlns:a="http://schemas.openxmlformats.org/drawingml/2006/main" xmlns:r="http://schemas.openxmlformats.org/officeDocument/2006/relationships" xmlns:p="http://schemas.openxmlformats.org/presentationml/2006/main">
-  <p:cSld>
-    <p:spTree>
-      <p:nvGrpSpPr>
-        <p:cNvPr id="1" name=""/>
-        <p:cNvGrpSpPr/>
-        <p:nvPr/>
-      </p:nvGrpSpPr>
-      <p:grpSpPr>
-        <a:xfrm>
-          <a:off x="0" y="0"/>
-          <a:ext cx="0" cy="0"/>
-          <a:chOff x="0" y="0"/>
-          <a:chExt cx="0" cy="0"/>
-        </a:xfrm>
-      </p:grpSpPr>
-      <p:sp>
-        <p:nvSpPr>
-          <p:cNvPr id="3" name="标题 2">
-            <a:extLst>
-              <a:ext uri="{FF2B5EF4-FFF2-40B4-BE49-F238E27FC236}">
-                <a16:creationId xmlns:a16="http://schemas.microsoft.com/office/drawing/2014/main" id="{C85AA94F-4428-46C6-BD40-593F2392BF4C}"/>
-              </a:ext>
-            </a:extLst>
-          </p:cNvPr>
-          <p:cNvSpPr>
-            <a:spLocks noGrp="1"/>
-          </p:cNvSpPr>
-          <p:nvPr>
-            <p:ph type="title"/>
-          </p:nvPr>
-        </p:nvSpPr>
-        <p:spPr/>
-        <p:txBody>
-          <a:bodyPr/>
-          <a:lstStyle/>
-          <a:p>
-            <a:r>
-              <a:rPr lang="en-US" altLang="zh-CN" dirty="0" smtClean="0"/>
-              <a:t>Applications </a:t>
-            </a:r>
-            <a:r>
-              <a:rPr lang="en-US" altLang="zh-CN" dirty="0" smtClean="0"/>
-              <a:t>– Complex Model from Paper</a:t>
-            </a:r>
-            <a:endParaRPr lang="zh-CN" altLang="en-US" dirty="0"/>
-          </a:p>
-        </p:txBody>
-      </p:sp>
-    </p:spTree>
-    <p:extLst>
-      <p:ext uri="{BB962C8B-B14F-4D97-AF65-F5344CB8AC3E}">
-        <p14:creationId xmlns:p14="http://schemas.microsoft.com/office/powerpoint/2010/main" val="3823682830"/>
-      </p:ext>
-    </p:extLst>
-  </p:cSld>
-  <p:clrMapOvr>
-    <a:masterClrMapping/>
-  </p:clrMapOvr>
-  <mc:AlternateContent xmlns:mc="http://schemas.openxmlformats.org/markup-compatibility/2006" xmlns:p14="http://schemas.microsoft.com/office/powerpoint/2010/main">
-    <mc:Choice Requires="p14">
-      <p:transition p14:dur="350" advTm="993">
-        <p:fade/>
-      </p:transition>
-    </mc:Choice>
-    <mc:Fallback xmlns="">
-      <p:transition advTm="993">
-        <p:fade/>
-      </p:transition>
-    </mc:Fallback>
-  </mc:AlternateContent>
-</p:sld>
-</file>
-
 <file path=ppt/slides/slide34.xml><?xml version="1.0" encoding="utf-8"?>
 <p:sld xmlns:a="http://schemas.openxmlformats.org/drawingml/2006/main" xmlns:r="http://schemas.openxmlformats.org/officeDocument/2006/relationships" xmlns:p="http://schemas.openxmlformats.org/presentationml/2006/main">
   <p:cSld>
@@ -34459,11 +37462,7 @@
           <a:p>
             <a:r>
               <a:rPr lang="en-US" altLang="zh-CN" dirty="0" smtClean="0"/>
-              <a:t>Applications </a:t>
-            </a:r>
-            <a:r>
-              <a:rPr lang="en-US" altLang="zh-CN" dirty="0" smtClean="0"/>
-              <a:t>– Complex Model from Paper (2)</a:t>
+              <a:t>Applications – Complex Model from Paper</a:t>
             </a:r>
             <a:endParaRPr lang="zh-CN" altLang="en-US" dirty="0"/>
           </a:p>
@@ -34472,7 +37471,7 @@
     </p:spTree>
     <p:extLst>
       <p:ext uri="{BB962C8B-B14F-4D97-AF65-F5344CB8AC3E}">
-        <p14:creationId xmlns:p14="http://schemas.microsoft.com/office/powerpoint/2010/main" val="304976961"/>
+        <p14:creationId xmlns:p14="http://schemas.microsoft.com/office/powerpoint/2010/main" val="3823682830"/>
       </p:ext>
     </p:extLst>
   </p:cSld>
@@ -34534,11 +37533,7 @@
           <a:p>
             <a:r>
               <a:rPr lang="en-US" altLang="zh-CN" dirty="0" smtClean="0"/>
-              <a:t>Applications </a:t>
-            </a:r>
-            <a:r>
-              <a:rPr lang="en-US" altLang="zh-CN" dirty="0" smtClean="0"/>
-              <a:t>– Complex Model from Paper (3)</a:t>
+              <a:t>Applications – Complex Model from Paper (2)</a:t>
             </a:r>
             <a:endParaRPr lang="zh-CN" altLang="en-US" dirty="0"/>
           </a:p>
@@ -34547,7 +37542,7 @@
     </p:spTree>
     <p:extLst>
       <p:ext uri="{BB962C8B-B14F-4D97-AF65-F5344CB8AC3E}">
-        <p14:creationId xmlns:p14="http://schemas.microsoft.com/office/powerpoint/2010/main" val="2090888460"/>
+        <p14:creationId xmlns:p14="http://schemas.microsoft.com/office/powerpoint/2010/main" val="304976961"/>
       </p:ext>
     </p:extLst>
   </p:cSld>
@@ -34609,11 +37604,7 @@
           <a:p>
             <a:r>
               <a:rPr lang="en-US" altLang="zh-CN" dirty="0" smtClean="0"/>
-              <a:t>Applications </a:t>
-            </a:r>
-            <a:r>
-              <a:rPr lang="en-US" altLang="zh-CN" dirty="0" smtClean="0"/>
-              <a:t>– Complex Model from Paper (4)</a:t>
+              <a:t>Applications – Complex Model from Paper (3)</a:t>
             </a:r>
             <a:endParaRPr lang="zh-CN" altLang="en-US" dirty="0"/>
           </a:p>
@@ -34622,7 +37613,7 @@
     </p:spTree>
     <p:extLst>
       <p:ext uri="{BB962C8B-B14F-4D97-AF65-F5344CB8AC3E}">
-        <p14:creationId xmlns:p14="http://schemas.microsoft.com/office/powerpoint/2010/main" val="271392441"/>
+        <p14:creationId xmlns:p14="http://schemas.microsoft.com/office/powerpoint/2010/main" val="2090888460"/>
       </p:ext>
     </p:extLst>
   </p:cSld>
@@ -34684,11 +37675,7 @@
           <a:p>
             <a:r>
               <a:rPr lang="en-US" altLang="zh-CN" dirty="0" smtClean="0"/>
-              <a:t>Applications </a:t>
-            </a:r>
-            <a:r>
-              <a:rPr lang="en-US" altLang="zh-CN" dirty="0" smtClean="0"/>
-              <a:t>– Complex Model from Paper (5)</a:t>
+              <a:t>Applications – Complex Model from Paper (4)</a:t>
             </a:r>
             <a:endParaRPr lang="zh-CN" altLang="en-US" dirty="0"/>
           </a:p>
@@ -34697,7 +37684,7 @@
     </p:spTree>
     <p:extLst>
       <p:ext uri="{BB962C8B-B14F-4D97-AF65-F5344CB8AC3E}">
-        <p14:creationId xmlns:p14="http://schemas.microsoft.com/office/powerpoint/2010/main" val="3698947795"/>
+        <p14:creationId xmlns:p14="http://schemas.microsoft.com/office/powerpoint/2010/main" val="271392441"/>
       </p:ext>
     </p:extLst>
   </p:cSld>
@@ -34759,7 +37746,7 @@
           <a:p>
             <a:r>
               <a:rPr lang="en-US" altLang="zh-CN" dirty="0" smtClean="0"/>
-              <a:t>Applications - NPIs</a:t>
+              <a:t>Applications – Complex Model from Paper (5)</a:t>
             </a:r>
             <a:endParaRPr lang="zh-CN" altLang="en-US" dirty="0"/>
           </a:p>
@@ -34768,7 +37755,7 @@
     </p:spTree>
     <p:extLst>
       <p:ext uri="{BB962C8B-B14F-4D97-AF65-F5344CB8AC3E}">
-        <p14:creationId xmlns:p14="http://schemas.microsoft.com/office/powerpoint/2010/main" val="3754156199"/>
+        <p14:creationId xmlns:p14="http://schemas.microsoft.com/office/powerpoint/2010/main" val="3698947795"/>
       </p:ext>
     </p:extLst>
   </p:cSld>
@@ -34809,10 +37796,10 @@
       </p:grpSpPr>
       <p:sp>
         <p:nvSpPr>
-          <p:cNvPr id="4" name="标题 3">
+          <p:cNvPr id="3" name="标题 2">
             <a:extLst>
               <a:ext uri="{FF2B5EF4-FFF2-40B4-BE49-F238E27FC236}">
-                <a16:creationId xmlns:a16="http://schemas.microsoft.com/office/drawing/2014/main" id="{42168C6F-C88A-4B3B-8F1C-9D4461BDB123}"/>
+                <a16:creationId xmlns:a16="http://schemas.microsoft.com/office/drawing/2014/main" id="{C85AA94F-4428-46C6-BD40-593F2392BF4C}"/>
               </a:ext>
             </a:extLst>
           </p:cNvPr>
@@ -34823,165 +37810,41 @@
             <p:ph type="title"/>
           </p:nvPr>
         </p:nvSpPr>
-        <p:spPr>
-          <a:xfrm>
-            <a:off x="903515" y="2361260"/>
-            <a:ext cx="10515600" cy="1325563"/>
-          </a:xfrm>
-        </p:spPr>
+        <p:spPr/>
         <p:txBody>
           <a:bodyPr/>
           <a:lstStyle/>
           <a:p>
             <a:r>
-              <a:rPr lang="en-US" altLang="zh-CN" dirty="0" smtClean="0">
-                <a:latin typeface="+mn-lt"/>
-                <a:ea typeface="+mn-ea"/>
-                <a:cs typeface="+mn-ea"/>
-                <a:sym typeface="+mn-lt"/>
-              </a:rPr>
-              <a:t>Thanks for Listening!</a:t>
-            </a:r>
-            <a:endParaRPr lang="zh-CN" altLang="en-US" dirty="0">
-              <a:latin typeface="+mn-lt"/>
-              <a:ea typeface="+mn-ea"/>
-              <a:cs typeface="+mn-ea"/>
-              <a:sym typeface="+mn-lt"/>
-            </a:endParaRPr>
-          </a:p>
-        </p:txBody>
-      </p:sp>
-      <p:sp>
-        <p:nvSpPr>
-          <p:cNvPr id="8" name="文本占位符 2">
-            <a:extLst>
-              <a:ext uri="{FF2B5EF4-FFF2-40B4-BE49-F238E27FC236}">
-                <a16:creationId xmlns:a16="http://schemas.microsoft.com/office/drawing/2014/main" id="{4C75A860-D23A-432B-B148-AC1B5892F49D}"/>
-              </a:ext>
-            </a:extLst>
-          </p:cNvPr>
-          <p:cNvSpPr>
-            <a:spLocks noGrp="1"/>
-          </p:cNvSpPr>
-          <p:nvPr>
-            <p:ph type="body" sz="half" idx="2"/>
-          </p:nvPr>
-        </p:nvSpPr>
-        <p:spPr>
-          <a:xfrm>
-            <a:off x="838200" y="4164118"/>
-            <a:ext cx="11353800" cy="2442169"/>
-          </a:xfrm>
-        </p:spPr>
-        <p:txBody>
-          <a:bodyPr>
-            <a:normAutofit/>
-          </a:bodyPr>
-          <a:lstStyle/>
-          <a:p>
-            <a:pPr>
-              <a:lnSpc>
-                <a:spcPct val="120000"/>
-              </a:lnSpc>
-            </a:pPr>
-            <a:r>
-              <a:rPr kumimoji="1" lang="zh-CN" altLang="en-US" sz="3400" b="1" dirty="0">
-                <a:latin typeface="Palatino Linotype" panose="02040502050505030304" pitchFamily="18" charset="0"/>
-              </a:rPr>
-              <a:t>王静远，</a:t>
-            </a:r>
-            <a:r>
-              <a:rPr kumimoji="1" lang="zh-CN" altLang="en-US" sz="3400" b="1" dirty="0" smtClean="0">
-                <a:latin typeface="Palatino Linotype" panose="02040502050505030304" pitchFamily="18" charset="0"/>
-              </a:rPr>
-              <a:t>北京航空航天大学</a:t>
-            </a:r>
-            <a:endParaRPr kumimoji="1" lang="en-US" altLang="zh-CN" sz="3400" b="1" dirty="0" smtClean="0">
-              <a:latin typeface="Palatino Linotype" panose="02040502050505030304" pitchFamily="18" charset="0"/>
-            </a:endParaRPr>
-          </a:p>
-          <a:p>
-            <a:pPr>
-              <a:lnSpc>
-                <a:spcPct val="120000"/>
-              </a:lnSpc>
-            </a:pPr>
-            <a:r>
-              <a:rPr kumimoji="1" lang="en-US" altLang="zh-CN" sz="3400" b="1" dirty="0" err="1" smtClean="0">
-                <a:latin typeface="Palatino Linotype" panose="02040502050505030304" pitchFamily="18" charset="0"/>
-              </a:rPr>
-              <a:t>Jingyuan</a:t>
-            </a:r>
-            <a:r>
-              <a:rPr kumimoji="1" lang="en-US" altLang="zh-CN" sz="3400" b="1" dirty="0" smtClean="0">
-                <a:latin typeface="Palatino Linotype" panose="02040502050505030304" pitchFamily="18" charset="0"/>
-              </a:rPr>
-              <a:t> Wang, </a:t>
-            </a:r>
-            <a:r>
-              <a:rPr kumimoji="1" lang="en-US" altLang="zh-CN" sz="3400" b="1" dirty="0" err="1" smtClean="0">
-                <a:latin typeface="Palatino Linotype" panose="02040502050505030304" pitchFamily="18" charset="0"/>
-              </a:rPr>
-              <a:t>Beihang</a:t>
-            </a:r>
-            <a:r>
-              <a:rPr kumimoji="1" lang="en-US" altLang="zh-CN" sz="3400" b="1" dirty="0" smtClean="0">
-                <a:latin typeface="Palatino Linotype" panose="02040502050505030304" pitchFamily="18" charset="0"/>
-              </a:rPr>
-              <a:t> University, Beijing, China</a:t>
-            </a:r>
-            <a:endParaRPr kumimoji="1" lang="en-US" altLang="zh-CN" sz="3400" b="1" dirty="0">
-              <a:latin typeface="Palatino Linotype" panose="02040502050505030304" pitchFamily="18" charset="0"/>
-            </a:endParaRPr>
-          </a:p>
-          <a:p>
-            <a:pPr>
-              <a:lnSpc>
-                <a:spcPct val="120000"/>
-              </a:lnSpc>
-            </a:pPr>
-            <a:r>
-              <a:rPr kumimoji="1" lang="en-US" altLang="zh-CN" sz="3400" dirty="0">
-                <a:latin typeface="Palatino Linotype" panose="02040502050505030304" pitchFamily="18" charset="0"/>
-                <a:hlinkClick r:id="rId2"/>
-              </a:rPr>
-              <a:t>jywang@buaa.edu.cn</a:t>
-            </a:r>
-            <a:r>
-              <a:rPr kumimoji="1" lang="zh-CN" altLang="en-US" sz="3400" dirty="0">
-                <a:latin typeface="Palatino Linotype" panose="02040502050505030304" pitchFamily="18" charset="0"/>
-              </a:rPr>
-              <a:t>，</a:t>
-            </a:r>
-            <a:r>
-              <a:rPr kumimoji="1" lang="en-US" altLang="zh-CN" sz="3400" dirty="0">
-                <a:latin typeface="Palatino Linotype" panose="02040502050505030304" pitchFamily="18" charset="0"/>
-                <a:hlinkClick r:id="rId3"/>
-              </a:rPr>
-              <a:t>http://www.bigcity.ai</a:t>
-            </a:r>
-            <a:r>
-              <a:rPr kumimoji="1" lang="en-US" altLang="zh-CN" sz="3400" dirty="0">
-                <a:latin typeface="Palatino Linotype" panose="02040502050505030304" pitchFamily="18" charset="0"/>
-              </a:rPr>
-              <a:t> </a:t>
-            </a:r>
-            <a:endParaRPr kumimoji="1" lang="en-US" altLang="zh-CN" dirty="0">
-              <a:latin typeface="Palatino Linotype" panose="02040502050505030304" pitchFamily="18" charset="0"/>
-            </a:endParaRPr>
+              <a:rPr lang="en-US" altLang="zh-CN" dirty="0" smtClean="0"/>
+              <a:t>Applications - NPIs</a:t>
+            </a:r>
+            <a:endParaRPr lang="zh-CN" altLang="en-US" dirty="0"/>
           </a:p>
         </p:txBody>
       </p:sp>
     </p:spTree>
     <p:extLst>
       <p:ext uri="{BB962C8B-B14F-4D97-AF65-F5344CB8AC3E}">
-        <p14:creationId xmlns:p14="http://schemas.microsoft.com/office/powerpoint/2010/main" val="1821170756"/>
+        <p14:creationId xmlns:p14="http://schemas.microsoft.com/office/powerpoint/2010/main" val="3754156199"/>
       </p:ext>
     </p:extLst>
   </p:cSld>
   <p:clrMapOvr>
     <a:masterClrMapping/>
   </p:clrMapOvr>
+  <mc:AlternateContent xmlns:mc="http://schemas.openxmlformats.org/markup-compatibility/2006" xmlns:p14="http://schemas.microsoft.com/office/powerpoint/2010/main">
+    <mc:Choice Requires="p14">
+      <p:transition p14:dur="350" advTm="993">
+        <p:fade/>
+      </p:transition>
+    </mc:Choice>
+    <mc:Fallback xmlns="">
+      <p:transition advTm="993">
+        <p:fade/>
+      </p:transition>
+    </mc:Fallback>
+  </mc:AlternateContent>
 </p:sld>
 </file>
 
@@ -35542,6 +38405,201 @@
       </p:transition>
     </mc:Fallback>
   </mc:AlternateContent>
+</p:sld>
+</file>
+
+<file path=ppt/slides/slide40.xml><?xml version="1.0" encoding="utf-8"?>
+<p:sld xmlns:a="http://schemas.openxmlformats.org/drawingml/2006/main" xmlns:r="http://schemas.openxmlformats.org/officeDocument/2006/relationships" xmlns:p="http://schemas.openxmlformats.org/presentationml/2006/main">
+  <p:cSld>
+    <p:spTree>
+      <p:nvGrpSpPr>
+        <p:cNvPr id="1" name=""/>
+        <p:cNvGrpSpPr/>
+        <p:nvPr/>
+      </p:nvGrpSpPr>
+      <p:grpSpPr>
+        <a:xfrm>
+          <a:off x="0" y="0"/>
+          <a:ext cx="0" cy="0"/>
+          <a:chOff x="0" y="0"/>
+          <a:chExt cx="0" cy="0"/>
+        </a:xfrm>
+      </p:grpSpPr>
+      <p:sp>
+        <p:nvSpPr>
+          <p:cNvPr id="4" name="标题 3">
+            <a:extLst>
+              <a:ext uri="{FF2B5EF4-FFF2-40B4-BE49-F238E27FC236}">
+                <a16:creationId xmlns:a16="http://schemas.microsoft.com/office/drawing/2014/main" id="{42168C6F-C88A-4B3B-8F1C-9D4461BDB123}"/>
+              </a:ext>
+            </a:extLst>
+          </p:cNvPr>
+          <p:cNvSpPr>
+            <a:spLocks noGrp="1"/>
+          </p:cNvSpPr>
+          <p:nvPr>
+            <p:ph type="title"/>
+          </p:nvPr>
+        </p:nvSpPr>
+        <p:spPr>
+          <a:xfrm>
+            <a:off x="903515" y="2361260"/>
+            <a:ext cx="10515600" cy="1325563"/>
+          </a:xfrm>
+        </p:spPr>
+        <p:txBody>
+          <a:bodyPr/>
+          <a:lstStyle/>
+          <a:p>
+            <a:r>
+              <a:rPr lang="en-US" altLang="zh-CN" dirty="0" smtClean="0">
+                <a:latin typeface="+mn-lt"/>
+                <a:ea typeface="+mn-ea"/>
+                <a:cs typeface="+mn-ea"/>
+                <a:sym typeface="+mn-lt"/>
+              </a:rPr>
+              <a:t>Thanks for Listening!</a:t>
+            </a:r>
+            <a:endParaRPr lang="zh-CN" altLang="en-US" dirty="0">
+              <a:latin typeface="+mn-lt"/>
+              <a:ea typeface="+mn-ea"/>
+              <a:cs typeface="+mn-ea"/>
+              <a:sym typeface="+mn-lt"/>
+            </a:endParaRPr>
+          </a:p>
+        </p:txBody>
+      </p:sp>
+      <p:sp>
+        <p:nvSpPr>
+          <p:cNvPr id="8" name="文本占位符 2">
+            <a:extLst>
+              <a:ext uri="{FF2B5EF4-FFF2-40B4-BE49-F238E27FC236}">
+                <a16:creationId xmlns:a16="http://schemas.microsoft.com/office/drawing/2014/main" id="{4C75A860-D23A-432B-B148-AC1B5892F49D}"/>
+              </a:ext>
+            </a:extLst>
+          </p:cNvPr>
+          <p:cNvSpPr>
+            <a:spLocks noGrp="1"/>
+          </p:cNvSpPr>
+          <p:nvPr>
+            <p:ph type="body" sz="half" idx="2"/>
+          </p:nvPr>
+        </p:nvSpPr>
+        <p:spPr>
+          <a:xfrm>
+            <a:off x="838200" y="4164118"/>
+            <a:ext cx="11353800" cy="2442169"/>
+          </a:xfrm>
+        </p:spPr>
+        <p:txBody>
+          <a:bodyPr>
+            <a:normAutofit/>
+          </a:bodyPr>
+          <a:lstStyle/>
+          <a:p>
+            <a:pPr>
+              <a:lnSpc>
+                <a:spcPct val="120000"/>
+              </a:lnSpc>
+            </a:pPr>
+            <a:r>
+              <a:rPr kumimoji="1" lang="zh-CN" altLang="en-US" sz="3400" b="1" dirty="0">
+                <a:latin typeface="Palatino Linotype" panose="02040502050505030304" pitchFamily="18" charset="0"/>
+              </a:rPr>
+              <a:t>王静远，</a:t>
+            </a:r>
+            <a:r>
+              <a:rPr kumimoji="1" lang="zh-CN" altLang="en-US" sz="3400" b="1" dirty="0" smtClean="0">
+                <a:latin typeface="Palatino Linotype" panose="02040502050505030304" pitchFamily="18" charset="0"/>
+              </a:rPr>
+              <a:t>北京航空航天大学</a:t>
+            </a:r>
+            <a:endParaRPr kumimoji="1" lang="en-US" altLang="zh-CN" sz="3400" b="1" dirty="0" smtClean="0">
+              <a:latin typeface="Palatino Linotype" panose="02040502050505030304" pitchFamily="18" charset="0"/>
+            </a:endParaRPr>
+          </a:p>
+          <a:p>
+            <a:pPr>
+              <a:lnSpc>
+                <a:spcPct val="120000"/>
+              </a:lnSpc>
+            </a:pPr>
+            <a:r>
+              <a:rPr kumimoji="1" lang="en-US" altLang="zh-CN" sz="3400" b="1" dirty="0" err="1" smtClean="0">
+                <a:latin typeface="Palatino Linotype" panose="02040502050505030304" pitchFamily="18" charset="0"/>
+              </a:rPr>
+              <a:t>Jingyuan</a:t>
+            </a:r>
+            <a:r>
+              <a:rPr kumimoji="1" lang="en-US" altLang="zh-CN" sz="3400" b="1" dirty="0" smtClean="0">
+                <a:latin typeface="Palatino Linotype" panose="02040502050505030304" pitchFamily="18" charset="0"/>
+              </a:rPr>
+              <a:t> Wang, </a:t>
+            </a:r>
+            <a:r>
+              <a:rPr kumimoji="1" lang="en-US" altLang="zh-CN" sz="3400" b="1" dirty="0" err="1" smtClean="0">
+                <a:latin typeface="Palatino Linotype" panose="02040502050505030304" pitchFamily="18" charset="0"/>
+              </a:rPr>
+              <a:t>Beihang</a:t>
+            </a:r>
+            <a:r>
+              <a:rPr kumimoji="1" lang="en-US" altLang="zh-CN" sz="3400" b="1" dirty="0" smtClean="0">
+                <a:latin typeface="Palatino Linotype" panose="02040502050505030304" pitchFamily="18" charset="0"/>
+              </a:rPr>
+              <a:t> University, Beijing, China</a:t>
+            </a:r>
+            <a:endParaRPr kumimoji="1" lang="en-US" altLang="zh-CN" sz="3400" b="1" dirty="0">
+              <a:latin typeface="Palatino Linotype" panose="02040502050505030304" pitchFamily="18" charset="0"/>
+            </a:endParaRPr>
+          </a:p>
+          <a:p>
+            <a:pPr>
+              <a:lnSpc>
+                <a:spcPct val="120000"/>
+              </a:lnSpc>
+            </a:pPr>
+            <a:r>
+              <a:rPr kumimoji="1" lang="en-US" altLang="zh-CN" sz="3400" dirty="0">
+                <a:latin typeface="Palatino Linotype" panose="02040502050505030304" pitchFamily="18" charset="0"/>
+                <a:hlinkClick r:id="rId2"/>
+              </a:rPr>
+              <a:t>jywang@buaa.edu.cn</a:t>
+            </a:r>
+            <a:r>
+              <a:rPr kumimoji="1" lang="zh-CN" altLang="en-US" sz="3400" dirty="0">
+                <a:latin typeface="Palatino Linotype" panose="02040502050505030304" pitchFamily="18" charset="0"/>
+              </a:rPr>
+              <a:t>，</a:t>
+            </a:r>
+            <a:r>
+              <a:rPr kumimoji="1" lang="en-US" altLang="zh-CN" sz="3400" dirty="0">
+                <a:latin typeface="Palatino Linotype" panose="02040502050505030304" pitchFamily="18" charset="0"/>
+                <a:hlinkClick r:id="rId3"/>
+              </a:rPr>
+              <a:t>http://www.bigcity.ai</a:t>
+            </a:r>
+            <a:r>
+              <a:rPr kumimoji="1" lang="en-US" altLang="zh-CN" sz="3400" dirty="0">
+                <a:latin typeface="Palatino Linotype" panose="02040502050505030304" pitchFamily="18" charset="0"/>
+              </a:rPr>
+              <a:t> </a:t>
+            </a:r>
+            <a:endParaRPr kumimoji="1" lang="en-US" altLang="zh-CN" dirty="0">
+              <a:latin typeface="Palatino Linotype" panose="02040502050505030304" pitchFamily="18" charset="0"/>
+            </a:endParaRPr>
+          </a:p>
+        </p:txBody>
+      </p:sp>
+    </p:spTree>
+    <p:extLst>
+      <p:ext uri="{BB962C8B-B14F-4D97-AF65-F5344CB8AC3E}">
+        <p14:creationId xmlns:p14="http://schemas.microsoft.com/office/powerpoint/2010/main" val="1821170756"/>
+      </p:ext>
+    </p:extLst>
+  </p:cSld>
+  <p:clrMapOvr>
+    <a:masterClrMapping/>
+  </p:clrMapOvr>
 </p:sld>
 </file>
 
@@ -37997,7 +41055,7 @@
                 <a:lstStyle/>
                 <a:p>
                   <a:r>
-                    <a:rPr lang="en-US" altLang="zh-CN" sz="1600" b="1" dirty="0" err="1"/>
+                    <a:rPr lang="en-US" altLang="zh-CN" sz="1600" b="1" dirty="0"/>
                     <a:t>Utils</a:t>
                   </a:r>
                   <a:r>
